--- a/Projet9_OCPizza_Presentation.pptx
+++ b/Projet9_OCPizza_Presentation.pptx
@@ -218,7 +218,7 @@
           <a:p>
             <a:fld id="{112819D6-9618-45CA-A4D0-F3F0B09DC02D}" type="datetimeFigureOut">
               <a:rPr lang="fr-FR" smtClean="0"/>
-              <a:t>23/04/2018</a:t>
+              <a:t>30/04/2018</a:t>
             </a:fld>
             <a:endParaRPr lang="fr-FR"/>
           </a:p>
@@ -617,7 +617,7 @@
           <a:p>
             <a:fld id="{79C2CD3C-23E9-4BF9-92A5-02D69918904F}" type="datetimeFigureOut">
               <a:rPr lang="fr-FR" smtClean="0"/>
-              <a:t>23/04/2018</a:t>
+              <a:t>30/04/2018</a:t>
             </a:fld>
             <a:endParaRPr lang="fr-FR"/>
           </a:p>
@@ -787,7 +787,7 @@
           <a:p>
             <a:fld id="{79C2CD3C-23E9-4BF9-92A5-02D69918904F}" type="datetimeFigureOut">
               <a:rPr lang="fr-FR" smtClean="0"/>
-              <a:t>23/04/2018</a:t>
+              <a:t>30/04/2018</a:t>
             </a:fld>
             <a:endParaRPr lang="fr-FR"/>
           </a:p>
@@ -967,7 +967,7 @@
           <a:p>
             <a:fld id="{79C2CD3C-23E9-4BF9-92A5-02D69918904F}" type="datetimeFigureOut">
               <a:rPr lang="fr-FR" smtClean="0"/>
-              <a:t>23/04/2018</a:t>
+              <a:t>30/04/2018</a:t>
             </a:fld>
             <a:endParaRPr lang="fr-FR"/>
           </a:p>
@@ -1137,7 +1137,7 @@
           <a:p>
             <a:fld id="{79C2CD3C-23E9-4BF9-92A5-02D69918904F}" type="datetimeFigureOut">
               <a:rPr lang="fr-FR" smtClean="0"/>
-              <a:t>23/04/2018</a:t>
+              <a:t>30/04/2018</a:t>
             </a:fld>
             <a:endParaRPr lang="fr-FR"/>
           </a:p>
@@ -1383,7 +1383,7 @@
           <a:p>
             <a:fld id="{79C2CD3C-23E9-4BF9-92A5-02D69918904F}" type="datetimeFigureOut">
               <a:rPr lang="fr-FR" smtClean="0"/>
-              <a:t>23/04/2018</a:t>
+              <a:t>30/04/2018</a:t>
             </a:fld>
             <a:endParaRPr lang="fr-FR"/>
           </a:p>
@@ -1615,7 +1615,7 @@
           <a:p>
             <a:fld id="{79C2CD3C-23E9-4BF9-92A5-02D69918904F}" type="datetimeFigureOut">
               <a:rPr lang="fr-FR" smtClean="0"/>
-              <a:t>23/04/2018</a:t>
+              <a:t>30/04/2018</a:t>
             </a:fld>
             <a:endParaRPr lang="fr-FR"/>
           </a:p>
@@ -1982,7 +1982,7 @@
           <a:p>
             <a:fld id="{79C2CD3C-23E9-4BF9-92A5-02D69918904F}" type="datetimeFigureOut">
               <a:rPr lang="fr-FR" smtClean="0"/>
-              <a:t>23/04/2018</a:t>
+              <a:t>30/04/2018</a:t>
             </a:fld>
             <a:endParaRPr lang="fr-FR"/>
           </a:p>
@@ -2100,7 +2100,7 @@
           <a:p>
             <a:fld id="{79C2CD3C-23E9-4BF9-92A5-02D69918904F}" type="datetimeFigureOut">
               <a:rPr lang="fr-FR" smtClean="0"/>
-              <a:t>23/04/2018</a:t>
+              <a:t>30/04/2018</a:t>
             </a:fld>
             <a:endParaRPr lang="fr-FR"/>
           </a:p>
@@ -2195,7 +2195,7 @@
           <a:p>
             <a:fld id="{79C2CD3C-23E9-4BF9-92A5-02D69918904F}" type="datetimeFigureOut">
               <a:rPr lang="fr-FR" smtClean="0"/>
-              <a:t>23/04/2018</a:t>
+              <a:t>30/04/2018</a:t>
             </a:fld>
             <a:endParaRPr lang="fr-FR"/>
           </a:p>
@@ -2472,7 +2472,7 @@
           <a:p>
             <a:fld id="{79C2CD3C-23E9-4BF9-92A5-02D69918904F}" type="datetimeFigureOut">
               <a:rPr lang="fr-FR" smtClean="0"/>
-              <a:t>23/04/2018</a:t>
+              <a:t>30/04/2018</a:t>
             </a:fld>
             <a:endParaRPr lang="fr-FR"/>
           </a:p>
@@ -2725,7 +2725,7 @@
           <a:p>
             <a:fld id="{79C2CD3C-23E9-4BF9-92A5-02D69918904F}" type="datetimeFigureOut">
               <a:rPr lang="fr-FR" smtClean="0"/>
-              <a:t>23/04/2018</a:t>
+              <a:t>30/04/2018</a:t>
             </a:fld>
             <a:endParaRPr lang="fr-FR"/>
           </a:p>
@@ -2938,7 +2938,7 @@
           <a:p>
             <a:fld id="{79C2CD3C-23E9-4BF9-92A5-02D69918904F}" type="datetimeFigureOut">
               <a:rPr lang="fr-FR" smtClean="0"/>
-              <a:t>23/04/2018</a:t>
+              <a:t>30/04/2018</a:t>
             </a:fld>
             <a:endParaRPr lang="fr-FR"/>
           </a:p>
@@ -4437,19 +4437,7 @@
               <a:rPr lang="fr-FR" sz="7200" dirty="0" smtClean="0">
                 <a:latin typeface="Bebas Neue" panose="020B0606020202050201" pitchFamily="34" charset="0"/>
               </a:rPr>
-              <a:t>Procédures </a:t>
-            </a:r>
-            <a:r>
-              <a:rPr lang="fr-FR" sz="7200" dirty="0" smtClean="0">
-                <a:latin typeface="Bebas Neue" panose="020B0606020202050201" pitchFamily="34" charset="0"/>
-              </a:rPr>
-              <a:t>de </a:t>
-            </a:r>
-            <a:r>
-              <a:rPr lang="fr-FR" sz="7200" dirty="0" smtClean="0">
-                <a:latin typeface="Bebas Neue" panose="020B0606020202050201" pitchFamily="34" charset="0"/>
-              </a:rPr>
-              <a:t>sauvegarde</a:t>
+              <a:t>Procédures de sauvegarde</a:t>
             </a:r>
             <a:endParaRPr lang="fr-FR" sz="7200" dirty="0">
               <a:latin typeface="Bebas Neue" panose="020B0606020202050201" pitchFamily="34" charset="0"/>
@@ -4547,11 +4535,6 @@
               </a:rPr>
               <a:t>PostgreSQL</a:t>
             </a:r>
-            <a:endParaRPr lang="fr-FR" sz="2800" dirty="0" smtClean="0">
-              <a:solidFill>
-                <a:schemeClr val="bg1"/>
-              </a:solidFill>
-            </a:endParaRPr>
           </a:p>
         </p:txBody>
       </p:sp>
@@ -4586,11 +4569,6 @@
               </a:rPr>
               <a:t>Serveur OC Pizza</a:t>
             </a:r>
-            <a:endParaRPr lang="fr-FR" sz="2800" dirty="0" smtClean="0">
-              <a:solidFill>
-                <a:schemeClr val="bg1"/>
-              </a:solidFill>
-            </a:endParaRPr>
           </a:p>
         </p:txBody>
       </p:sp>
@@ -4673,11 +4651,6 @@
               </a:rPr>
               <a:t>Serveur NGL</a:t>
             </a:r>
-            <a:endParaRPr lang="fr-FR" sz="2800" dirty="0" smtClean="0">
-              <a:solidFill>
-                <a:schemeClr val="bg1"/>
-              </a:solidFill>
-            </a:endParaRPr>
           </a:p>
         </p:txBody>
       </p:sp>
@@ -4925,11 +4898,6 @@
               </a:rPr>
               <a:t>Script de sauvegarde</a:t>
             </a:r>
-            <a:endParaRPr lang="fr-FR" sz="2200" dirty="0" smtClean="0">
-              <a:solidFill>
-                <a:schemeClr val="bg1"/>
-              </a:solidFill>
-            </a:endParaRPr>
           </a:p>
         </p:txBody>
       </p:sp>
@@ -5134,11 +5102,6 @@
               </a:rPr>
               <a:t>Sauvegarde logique</a:t>
             </a:r>
-            <a:endParaRPr lang="fr-FR" sz="2800" dirty="0" smtClean="0">
-              <a:solidFill>
-                <a:schemeClr val="bg1"/>
-              </a:solidFill>
-            </a:endParaRPr>
           </a:p>
         </p:txBody>
       </p:sp>
@@ -5173,11 +5136,6 @@
               </a:rPr>
               <a:t>3h du matin</a:t>
             </a:r>
-            <a:endParaRPr lang="fr-FR" sz="2000" dirty="0" smtClean="0">
-              <a:solidFill>
-                <a:schemeClr val="bg1"/>
-              </a:solidFill>
-            </a:endParaRPr>
           </a:p>
         </p:txBody>
       </p:sp>
@@ -7283,7 +7241,7 @@
       </p:sp>
       <p:sp>
         <p:nvSpPr>
-          <p:cNvPr id="23" name="Rectangle 22"/>
+          <p:cNvPr id="21" name="Rectangle 20"/>
           <p:cNvSpPr/>
           <p:nvPr/>
         </p:nvSpPr>
@@ -7335,13 +7293,13 @@
       </p:sp>
       <p:sp>
         <p:nvSpPr>
-          <p:cNvPr id="24" name="Pentagone 23"/>
+          <p:cNvPr id="22" name="Pentagone 21"/>
           <p:cNvSpPr/>
           <p:nvPr/>
         </p:nvSpPr>
         <p:spPr>
           <a:xfrm>
-            <a:off x="2230497" y="239913"/>
+            <a:off x="5620324" y="239913"/>
             <a:ext cx="102968" cy="119062"/>
           </a:xfrm>
           <a:prstGeom prst="homePlate">
@@ -7390,7 +7348,7 @@
       </p:sp>
       <p:sp>
         <p:nvSpPr>
-          <p:cNvPr id="25" name="ZoneTexte 24"/>
+          <p:cNvPr id="31" name="ZoneTexte 30"/>
           <p:cNvSpPr txBox="1"/>
           <p:nvPr/>
         </p:nvSpPr>
@@ -7413,7 +7371,9 @@
             <a:r>
               <a:rPr lang="fr-FR" b="1" dirty="0" smtClean="0">
                 <a:solidFill>
-                  <a:schemeClr val="bg1"/>
+                  <a:schemeClr val="bg1">
+                    <a:lumMod val="85000"/>
+                  </a:schemeClr>
                 </a:solidFill>
                 <a:latin typeface="Segoe UI" panose="020B0502040204020203" pitchFamily="34" charset="0"/>
                 <a:ea typeface="Segoe UI" panose="020B0502040204020203" pitchFamily="34" charset="0"/>
@@ -7423,7 +7383,9 @@
             </a:r>
             <a:endParaRPr lang="fr-FR" b="1" dirty="0">
               <a:solidFill>
-                <a:schemeClr val="bg1"/>
+                <a:schemeClr val="bg1">
+                  <a:lumMod val="85000"/>
+                </a:schemeClr>
               </a:solidFill>
               <a:latin typeface="Segoe UI" panose="020B0502040204020203" pitchFamily="34" charset="0"/>
               <a:ea typeface="Segoe UI" panose="020B0502040204020203" pitchFamily="34" charset="0"/>
@@ -7434,7 +7396,7 @@
       </p:sp>
       <p:sp>
         <p:nvSpPr>
-          <p:cNvPr id="26" name="Arrondir un rectangle avec un coin diagonal 25"/>
+          <p:cNvPr id="32" name="Arrondir un rectangle avec un coin diagonal 31"/>
           <p:cNvSpPr/>
           <p:nvPr/>
         </p:nvSpPr>
@@ -7488,7 +7450,7 @@
       </p:sp>
       <p:sp>
         <p:nvSpPr>
-          <p:cNvPr id="28" name="ZoneTexte 27"/>
+          <p:cNvPr id="33" name="ZoneTexte 32"/>
           <p:cNvSpPr txBox="1"/>
           <p:nvPr/>
         </p:nvSpPr>
@@ -7511,9 +7473,7 @@
             <a:r>
               <a:rPr lang="fr-FR" b="1" dirty="0" smtClean="0">
                 <a:solidFill>
-                  <a:schemeClr val="bg1">
-                    <a:lumMod val="85000"/>
-                  </a:schemeClr>
+                  <a:schemeClr val="bg1"/>
                 </a:solidFill>
                 <a:latin typeface="Segoe UI" panose="020B0502040204020203" pitchFamily="34" charset="0"/>
                 <a:ea typeface="Segoe UI" panose="020B0502040204020203" pitchFamily="34" charset="0"/>
@@ -7523,9 +7483,7 @@
             </a:r>
             <a:endParaRPr lang="fr-FR" b="1" dirty="0">
               <a:solidFill>
-                <a:schemeClr val="bg1">
-                  <a:lumMod val="85000"/>
-                </a:schemeClr>
+                <a:schemeClr val="bg1"/>
               </a:solidFill>
               <a:latin typeface="Segoe UI" panose="020B0502040204020203" pitchFamily="34" charset="0"/>
               <a:ea typeface="Segoe UI" panose="020B0502040204020203" pitchFamily="34" charset="0"/>
@@ -7536,7 +7494,7 @@
       </p:sp>
       <p:sp>
         <p:nvSpPr>
-          <p:cNvPr id="29" name="ZoneTexte 28"/>
+          <p:cNvPr id="34" name="ZoneTexte 33"/>
           <p:cNvSpPr txBox="1"/>
           <p:nvPr/>
         </p:nvSpPr>
@@ -7589,13 +7547,13 @@
       </p:sp>
       <p:sp>
         <p:nvSpPr>
-          <p:cNvPr id="30" name="Arrondir un rectangle avec un coin diagonal 29"/>
+          <p:cNvPr id="35" name="Arrondir un rectangle avec un coin diagonal 34"/>
           <p:cNvSpPr/>
           <p:nvPr/>
         </p:nvSpPr>
         <p:spPr>
           <a:xfrm>
-            <a:off x="5591788" y="241182"/>
+            <a:off x="2188269" y="241182"/>
             <a:ext cx="99717" cy="119062"/>
           </a:xfrm>
           <a:prstGeom prst="round2DiagRect">
@@ -8351,367 +8309,11 @@
           <a:lstStyle/>
           <a:p>
             <a:pPr algn="ctr"/>
-            <a:endParaRPr lang="fr-FR"/>
-          </a:p>
-        </p:txBody>
-      </p:sp>
-      <p:sp>
-        <p:nvSpPr>
-          <p:cNvPr id="4" name="Rectangle 3"/>
-          <p:cNvSpPr/>
-          <p:nvPr/>
-        </p:nvSpPr>
-        <p:spPr>
-          <a:xfrm>
-            <a:off x="0" y="1"/>
-            <a:ext cx="12192000" cy="624532"/>
-          </a:xfrm>
-          <a:prstGeom prst="rect">
-            <a:avLst/>
-          </a:prstGeom>
-          <a:solidFill>
-            <a:schemeClr val="accent1"/>
-          </a:solidFill>
-          <a:ln>
-            <a:noFill/>
-          </a:ln>
-        </p:spPr>
-        <p:style>
-          <a:lnRef idx="2">
-            <a:schemeClr val="accent4">
-              <a:shade val="50000"/>
-            </a:schemeClr>
-          </a:lnRef>
-          <a:fillRef idx="1">
-            <a:schemeClr val="accent4"/>
-          </a:fillRef>
-          <a:effectRef idx="0">
-            <a:schemeClr val="accent4"/>
-          </a:effectRef>
-          <a:fontRef idx="minor">
-            <a:schemeClr val="lt1"/>
-          </a:fontRef>
-        </p:style>
-        <p:txBody>
-          <a:bodyPr anchor="ctr"/>
-          <a:lstStyle/>
-          <a:p>
-            <a:pPr algn="ctr">
-              <a:defRPr/>
-            </a:pPr>
-            <a:endParaRPr lang="fr-FR">
-              <a:latin typeface="Segoe UI" panose="020B0502040204020203" pitchFamily="34" charset="0"/>
-              <a:ea typeface="Segoe UI" panose="020B0502040204020203" pitchFamily="34" charset="0"/>
-              <a:cs typeface="Segoe UI" panose="020B0502040204020203" pitchFamily="34" charset="0"/>
-            </a:endParaRPr>
-          </a:p>
-        </p:txBody>
-      </p:sp>
-      <p:sp>
-        <p:nvSpPr>
-          <p:cNvPr id="5" name="Pentagone 4"/>
-          <p:cNvSpPr/>
-          <p:nvPr/>
-        </p:nvSpPr>
-        <p:spPr>
-          <a:xfrm>
-            <a:off x="5620324" y="239913"/>
-            <a:ext cx="102968" cy="119062"/>
-          </a:xfrm>
-          <a:prstGeom prst="homePlate">
-            <a:avLst/>
-          </a:prstGeom>
-          <a:solidFill>
-            <a:schemeClr val="bg1"/>
-          </a:solidFill>
-          <a:ln>
-            <a:noFill/>
-          </a:ln>
-        </p:spPr>
-        <p:style>
-          <a:lnRef idx="2">
-            <a:schemeClr val="accent1">
-              <a:shade val="50000"/>
-            </a:schemeClr>
-          </a:lnRef>
-          <a:fillRef idx="1">
-            <a:schemeClr val="accent1"/>
-          </a:fillRef>
-          <a:effectRef idx="0">
-            <a:schemeClr val="accent1"/>
-          </a:effectRef>
-          <a:fontRef idx="minor">
-            <a:schemeClr val="lt1"/>
-          </a:fontRef>
-        </p:style>
-        <p:txBody>
-          <a:bodyPr anchor="ctr"/>
-          <a:lstStyle/>
-          <a:p>
-            <a:pPr algn="ctr">
-              <a:defRPr/>
-            </a:pPr>
-            <a:endParaRPr lang="fr-FR">
-              <a:solidFill>
-                <a:schemeClr val="accent2"/>
-              </a:solidFill>
-              <a:latin typeface="Segoe UI" panose="020B0502040204020203" pitchFamily="34" charset="0"/>
-              <a:ea typeface="Segoe UI" panose="020B0502040204020203" pitchFamily="34" charset="0"/>
-              <a:cs typeface="Segoe UI" panose="020B0502040204020203" pitchFamily="34" charset="0"/>
-            </a:endParaRPr>
-          </a:p>
-        </p:txBody>
-      </p:sp>
-      <p:sp>
-        <p:nvSpPr>
-          <p:cNvPr id="6" name="ZoneTexte 5"/>
-          <p:cNvSpPr txBox="1"/>
-          <p:nvPr/>
-        </p:nvSpPr>
-        <p:spPr>
-          <a:xfrm>
-            <a:off x="2278883" y="114778"/>
-            <a:ext cx="2725527" cy="369332"/>
-          </a:xfrm>
-          <a:prstGeom prst="rect">
-            <a:avLst/>
-          </a:prstGeom>
-          <a:noFill/>
-        </p:spPr>
-        <p:txBody>
-          <a:bodyPr wrap="square" rtlCol="0">
-            <a:spAutoFit/>
-          </a:bodyPr>
-          <a:lstStyle/>
-          <a:p>
-            <a:r>
-              <a:rPr lang="fr-FR" b="1" dirty="0" smtClean="0">
-                <a:solidFill>
-                  <a:schemeClr val="bg1">
-                    <a:lumMod val="85000"/>
-                  </a:schemeClr>
-                </a:solidFill>
-                <a:latin typeface="Segoe UI" panose="020B0502040204020203" pitchFamily="34" charset="0"/>
-                <a:ea typeface="Segoe UI" panose="020B0502040204020203" pitchFamily="34" charset="0"/>
-                <a:cs typeface="Segoe UI" panose="020B0502040204020203" pitchFamily="34" charset="0"/>
-              </a:rPr>
-              <a:t>Rappel du contexte</a:t>
-            </a:r>
-            <a:endParaRPr lang="fr-FR" b="1" dirty="0">
-              <a:solidFill>
-                <a:schemeClr val="bg1">
-                  <a:lumMod val="85000"/>
-                </a:schemeClr>
-              </a:solidFill>
-              <a:latin typeface="Segoe UI" panose="020B0502040204020203" pitchFamily="34" charset="0"/>
-              <a:ea typeface="Segoe UI" panose="020B0502040204020203" pitchFamily="34" charset="0"/>
-              <a:cs typeface="Segoe UI" panose="020B0502040204020203" pitchFamily="34" charset="0"/>
-            </a:endParaRPr>
-          </a:p>
-        </p:txBody>
-      </p:sp>
-      <p:sp>
-        <p:nvSpPr>
-          <p:cNvPr id="7" name="Arrondir un rectangle avec un coin diagonal 6"/>
-          <p:cNvSpPr/>
-          <p:nvPr/>
-        </p:nvSpPr>
-        <p:spPr>
-          <a:xfrm>
-            <a:off x="8162443" y="241182"/>
-            <a:ext cx="99717" cy="119062"/>
-          </a:xfrm>
-          <a:prstGeom prst="round2DiagRect">
-            <a:avLst/>
-          </a:prstGeom>
-          <a:solidFill>
-            <a:schemeClr val="bg1">
-              <a:lumMod val="85000"/>
-            </a:schemeClr>
-          </a:solidFill>
-          <a:ln>
-            <a:noFill/>
-          </a:ln>
-        </p:spPr>
-        <p:style>
-          <a:lnRef idx="2">
-            <a:schemeClr val="accent1">
-              <a:shade val="50000"/>
-            </a:schemeClr>
-          </a:lnRef>
-          <a:fillRef idx="1">
-            <a:schemeClr val="accent1"/>
-          </a:fillRef>
-          <a:effectRef idx="0">
-            <a:schemeClr val="accent1"/>
-          </a:effectRef>
-          <a:fontRef idx="minor">
-            <a:schemeClr val="lt1"/>
-          </a:fontRef>
-        </p:style>
-        <p:txBody>
-          <a:bodyPr anchor="ctr"/>
-          <a:lstStyle/>
-          <a:p>
-            <a:pPr algn="ctr">
-              <a:defRPr/>
-            </a:pPr>
-            <a:endParaRPr lang="fr-FR" b="1">
-              <a:latin typeface="Segoe UI" panose="020B0502040204020203" pitchFamily="34" charset="0"/>
-              <a:ea typeface="Segoe UI" panose="020B0502040204020203" pitchFamily="34" charset="0"/>
-              <a:cs typeface="Segoe UI" panose="020B0502040204020203" pitchFamily="34" charset="0"/>
-            </a:endParaRPr>
-          </a:p>
-        </p:txBody>
-      </p:sp>
-      <p:sp>
-        <p:nvSpPr>
-          <p:cNvPr id="8" name="ZoneTexte 7"/>
-          <p:cNvSpPr txBox="1"/>
-          <p:nvPr/>
-        </p:nvSpPr>
-        <p:spPr>
-          <a:xfrm>
-            <a:off x="5691505" y="122153"/>
-            <a:ext cx="1783843" cy="369332"/>
-          </a:xfrm>
-          <a:prstGeom prst="rect">
-            <a:avLst/>
-          </a:prstGeom>
-          <a:noFill/>
-        </p:spPr>
-        <p:txBody>
-          <a:bodyPr wrap="square" rtlCol="0">
-            <a:spAutoFit/>
-          </a:bodyPr>
-          <a:lstStyle/>
-          <a:p>
-            <a:r>
-              <a:rPr lang="fr-FR" b="1" dirty="0" smtClean="0">
-                <a:solidFill>
-                  <a:schemeClr val="bg1"/>
-                </a:solidFill>
-                <a:latin typeface="Segoe UI" panose="020B0502040204020203" pitchFamily="34" charset="0"/>
-                <a:ea typeface="Segoe UI" panose="020B0502040204020203" pitchFamily="34" charset="0"/>
-                <a:cs typeface="Segoe UI" panose="020B0502040204020203" pitchFamily="34" charset="0"/>
-              </a:rPr>
-              <a:t>Fonctionnel</a:t>
-            </a:r>
-            <a:endParaRPr lang="fr-FR" b="1" dirty="0">
-              <a:solidFill>
-                <a:schemeClr val="bg1"/>
-              </a:solidFill>
-              <a:latin typeface="Segoe UI" panose="020B0502040204020203" pitchFamily="34" charset="0"/>
-              <a:ea typeface="Segoe UI" panose="020B0502040204020203" pitchFamily="34" charset="0"/>
-              <a:cs typeface="Segoe UI" panose="020B0502040204020203" pitchFamily="34" charset="0"/>
-            </a:endParaRPr>
-          </a:p>
-        </p:txBody>
-      </p:sp>
-      <p:sp>
-        <p:nvSpPr>
-          <p:cNvPr id="9" name="ZoneTexte 8"/>
-          <p:cNvSpPr txBox="1"/>
-          <p:nvPr/>
-        </p:nvSpPr>
-        <p:spPr>
-          <a:xfrm>
-            <a:off x="8243955" y="119616"/>
-            <a:ext cx="1669311" cy="369332"/>
-          </a:xfrm>
-          <a:prstGeom prst="rect">
-            <a:avLst/>
-          </a:prstGeom>
-          <a:noFill/>
-        </p:spPr>
-        <p:txBody>
-          <a:bodyPr wrap="square" rtlCol="0">
-            <a:spAutoFit/>
-          </a:bodyPr>
-          <a:lstStyle/>
-          <a:p>
-            <a:pPr>
-              <a:tabLst>
-                <a:tab pos="177800" algn="l"/>
-              </a:tabLst>
-            </a:pPr>
-            <a:r>
-              <a:rPr lang="fr-FR" b="1" dirty="0" smtClean="0">
-                <a:solidFill>
-                  <a:schemeClr val="bg1">
-                    <a:lumMod val="85000"/>
-                  </a:schemeClr>
-                </a:solidFill>
-                <a:latin typeface="Segoe UI" panose="020B0502040204020203" pitchFamily="34" charset="0"/>
-                <a:ea typeface="Segoe UI" panose="020B0502040204020203" pitchFamily="34" charset="0"/>
-                <a:cs typeface="Segoe UI" panose="020B0502040204020203" pitchFamily="34" charset="0"/>
-              </a:rPr>
-              <a:t>Technique</a:t>
-            </a:r>
-            <a:endParaRPr lang="fr-FR" b="1" dirty="0">
-              <a:solidFill>
-                <a:schemeClr val="bg1">
-                  <a:lumMod val="85000"/>
-                </a:schemeClr>
-              </a:solidFill>
-              <a:latin typeface="Segoe UI" panose="020B0502040204020203" pitchFamily="34" charset="0"/>
-              <a:ea typeface="Segoe UI" panose="020B0502040204020203" pitchFamily="34" charset="0"/>
-              <a:cs typeface="Segoe UI" panose="020B0502040204020203" pitchFamily="34" charset="0"/>
-            </a:endParaRPr>
-          </a:p>
-        </p:txBody>
-      </p:sp>
-      <p:sp>
-        <p:nvSpPr>
-          <p:cNvPr id="10" name="Arrondir un rectangle avec un coin diagonal 9"/>
-          <p:cNvSpPr/>
-          <p:nvPr/>
-        </p:nvSpPr>
-        <p:spPr>
-          <a:xfrm>
-            <a:off x="2188269" y="241182"/>
-            <a:ext cx="99717" cy="119062"/>
-          </a:xfrm>
-          <a:prstGeom prst="round2DiagRect">
-            <a:avLst/>
-          </a:prstGeom>
-          <a:solidFill>
-            <a:schemeClr val="bg1">
-              <a:lumMod val="85000"/>
-            </a:schemeClr>
-          </a:solidFill>
-          <a:ln>
-            <a:noFill/>
-          </a:ln>
-        </p:spPr>
-        <p:style>
-          <a:lnRef idx="2">
-            <a:schemeClr val="accent1">
-              <a:shade val="50000"/>
-            </a:schemeClr>
-          </a:lnRef>
-          <a:fillRef idx="1">
-            <a:schemeClr val="accent1"/>
-          </a:fillRef>
-          <a:effectRef idx="0">
-            <a:schemeClr val="accent1"/>
-          </a:effectRef>
-          <a:fontRef idx="minor">
-            <a:schemeClr val="lt1"/>
-          </a:fontRef>
-        </p:style>
-        <p:txBody>
-          <a:bodyPr anchor="ctr"/>
-          <a:lstStyle/>
-          <a:p>
-            <a:pPr algn="ctr">
-              <a:defRPr/>
-            </a:pPr>
-            <a:endParaRPr lang="fr-FR" b="1">
-              <a:latin typeface="Segoe UI" panose="020B0502040204020203" pitchFamily="34" charset="0"/>
-              <a:ea typeface="Segoe UI" panose="020B0502040204020203" pitchFamily="34" charset="0"/>
-              <a:cs typeface="Segoe UI" panose="020B0502040204020203" pitchFamily="34" charset="0"/>
-            </a:endParaRPr>
+            <a:endParaRPr lang="fr-FR" dirty="0"/>
+          </a:p>
+          <a:p>
+            <a:pPr algn="ctr"/>
+            <a:endParaRPr lang="fr-FR" dirty="0"/>
           </a:p>
         </p:txBody>
       </p:sp>
@@ -9241,6 +8843,576 @@
           </a:fontRef>
         </p:style>
       </p:cxnSp>
+      <p:sp>
+        <p:nvSpPr>
+          <p:cNvPr id="21" name="Rectangle 20"/>
+          <p:cNvSpPr/>
+          <p:nvPr/>
+        </p:nvSpPr>
+        <p:spPr>
+          <a:xfrm>
+            <a:off x="0" y="1"/>
+            <a:ext cx="12192000" cy="624532"/>
+          </a:xfrm>
+          <a:prstGeom prst="rect">
+            <a:avLst/>
+          </a:prstGeom>
+          <a:solidFill>
+            <a:schemeClr val="accent1"/>
+          </a:solidFill>
+          <a:ln>
+            <a:noFill/>
+          </a:ln>
+        </p:spPr>
+        <p:style>
+          <a:lnRef idx="2">
+            <a:schemeClr val="accent4">
+              <a:shade val="50000"/>
+            </a:schemeClr>
+          </a:lnRef>
+          <a:fillRef idx="1">
+            <a:schemeClr val="accent4"/>
+          </a:fillRef>
+          <a:effectRef idx="0">
+            <a:schemeClr val="accent4"/>
+          </a:effectRef>
+          <a:fontRef idx="minor">
+            <a:schemeClr val="lt1"/>
+          </a:fontRef>
+        </p:style>
+        <p:txBody>
+          <a:bodyPr anchor="ctr"/>
+          <a:lstStyle/>
+          <a:p>
+            <a:pPr algn="ctr">
+              <a:defRPr/>
+            </a:pPr>
+            <a:endParaRPr lang="fr-FR">
+              <a:latin typeface="Segoe UI" panose="020B0502040204020203" pitchFamily="34" charset="0"/>
+              <a:ea typeface="Segoe UI" panose="020B0502040204020203" pitchFamily="34" charset="0"/>
+              <a:cs typeface="Segoe UI" panose="020B0502040204020203" pitchFamily="34" charset="0"/>
+            </a:endParaRPr>
+          </a:p>
+        </p:txBody>
+      </p:sp>
+      <p:sp>
+        <p:nvSpPr>
+          <p:cNvPr id="23" name="Pentagone 22"/>
+          <p:cNvSpPr/>
+          <p:nvPr/>
+        </p:nvSpPr>
+        <p:spPr>
+          <a:xfrm>
+            <a:off x="8159279" y="239913"/>
+            <a:ext cx="102968" cy="119062"/>
+          </a:xfrm>
+          <a:prstGeom prst="homePlate">
+            <a:avLst/>
+          </a:prstGeom>
+          <a:solidFill>
+            <a:schemeClr val="bg1"/>
+          </a:solidFill>
+          <a:ln>
+            <a:noFill/>
+          </a:ln>
+        </p:spPr>
+        <p:style>
+          <a:lnRef idx="2">
+            <a:schemeClr val="accent1">
+              <a:shade val="50000"/>
+            </a:schemeClr>
+          </a:lnRef>
+          <a:fillRef idx="1">
+            <a:schemeClr val="accent1"/>
+          </a:fillRef>
+          <a:effectRef idx="0">
+            <a:schemeClr val="accent1"/>
+          </a:effectRef>
+          <a:fontRef idx="minor">
+            <a:schemeClr val="lt1"/>
+          </a:fontRef>
+        </p:style>
+        <p:txBody>
+          <a:bodyPr anchor="ctr"/>
+          <a:lstStyle/>
+          <a:p>
+            <a:pPr algn="ctr">
+              <a:defRPr/>
+            </a:pPr>
+            <a:endParaRPr lang="fr-FR">
+              <a:solidFill>
+                <a:schemeClr val="accent2"/>
+              </a:solidFill>
+              <a:latin typeface="Segoe UI" panose="020B0502040204020203" pitchFamily="34" charset="0"/>
+              <a:ea typeface="Segoe UI" panose="020B0502040204020203" pitchFamily="34" charset="0"/>
+              <a:cs typeface="Segoe UI" panose="020B0502040204020203" pitchFamily="34" charset="0"/>
+            </a:endParaRPr>
+          </a:p>
+        </p:txBody>
+      </p:sp>
+      <p:sp>
+        <p:nvSpPr>
+          <p:cNvPr id="24" name="ZoneTexte 23"/>
+          <p:cNvSpPr txBox="1"/>
+          <p:nvPr/>
+        </p:nvSpPr>
+        <p:spPr>
+          <a:xfrm>
+            <a:off x="2278883" y="114778"/>
+            <a:ext cx="2725527" cy="369332"/>
+          </a:xfrm>
+          <a:prstGeom prst="rect">
+            <a:avLst/>
+          </a:prstGeom>
+          <a:noFill/>
+        </p:spPr>
+        <p:txBody>
+          <a:bodyPr wrap="square" rtlCol="0">
+            <a:spAutoFit/>
+          </a:bodyPr>
+          <a:lstStyle/>
+          <a:p>
+            <a:r>
+              <a:rPr lang="fr-FR" b="1" dirty="0" smtClean="0">
+                <a:solidFill>
+                  <a:schemeClr val="bg1">
+                    <a:lumMod val="85000"/>
+                  </a:schemeClr>
+                </a:solidFill>
+                <a:latin typeface="Segoe UI" panose="020B0502040204020203" pitchFamily="34" charset="0"/>
+                <a:ea typeface="Segoe UI" panose="020B0502040204020203" pitchFamily="34" charset="0"/>
+                <a:cs typeface="Segoe UI" panose="020B0502040204020203" pitchFamily="34" charset="0"/>
+              </a:rPr>
+              <a:t>Rappel du contexte</a:t>
+            </a:r>
+            <a:endParaRPr lang="fr-FR" b="1" dirty="0">
+              <a:solidFill>
+                <a:schemeClr val="bg1">
+                  <a:lumMod val="85000"/>
+                </a:schemeClr>
+              </a:solidFill>
+              <a:latin typeface="Segoe UI" panose="020B0502040204020203" pitchFamily="34" charset="0"/>
+              <a:ea typeface="Segoe UI" panose="020B0502040204020203" pitchFamily="34" charset="0"/>
+              <a:cs typeface="Segoe UI" panose="020B0502040204020203" pitchFamily="34" charset="0"/>
+            </a:endParaRPr>
+          </a:p>
+        </p:txBody>
+      </p:sp>
+      <p:sp>
+        <p:nvSpPr>
+          <p:cNvPr id="25" name="Arrondir un rectangle avec un coin diagonal 24"/>
+          <p:cNvSpPr/>
+          <p:nvPr/>
+        </p:nvSpPr>
+        <p:spPr>
+          <a:xfrm>
+            <a:off x="5599309" y="241182"/>
+            <a:ext cx="99717" cy="119062"/>
+          </a:xfrm>
+          <a:prstGeom prst="round2DiagRect">
+            <a:avLst/>
+          </a:prstGeom>
+          <a:solidFill>
+            <a:schemeClr val="bg1">
+              <a:lumMod val="85000"/>
+            </a:schemeClr>
+          </a:solidFill>
+          <a:ln>
+            <a:noFill/>
+          </a:ln>
+        </p:spPr>
+        <p:style>
+          <a:lnRef idx="2">
+            <a:schemeClr val="accent1">
+              <a:shade val="50000"/>
+            </a:schemeClr>
+          </a:lnRef>
+          <a:fillRef idx="1">
+            <a:schemeClr val="accent1"/>
+          </a:fillRef>
+          <a:effectRef idx="0">
+            <a:schemeClr val="accent1"/>
+          </a:effectRef>
+          <a:fontRef idx="minor">
+            <a:schemeClr val="lt1"/>
+          </a:fontRef>
+        </p:style>
+        <p:txBody>
+          <a:bodyPr anchor="ctr"/>
+          <a:lstStyle/>
+          <a:p>
+            <a:pPr algn="ctr">
+              <a:defRPr/>
+            </a:pPr>
+            <a:endParaRPr lang="fr-FR" b="1">
+              <a:latin typeface="Segoe UI" panose="020B0502040204020203" pitchFamily="34" charset="0"/>
+              <a:ea typeface="Segoe UI" panose="020B0502040204020203" pitchFamily="34" charset="0"/>
+              <a:cs typeface="Segoe UI" panose="020B0502040204020203" pitchFamily="34" charset="0"/>
+            </a:endParaRPr>
+          </a:p>
+        </p:txBody>
+      </p:sp>
+      <p:sp>
+        <p:nvSpPr>
+          <p:cNvPr id="26" name="ZoneTexte 25"/>
+          <p:cNvSpPr txBox="1"/>
+          <p:nvPr/>
+        </p:nvSpPr>
+        <p:spPr>
+          <a:xfrm>
+            <a:off x="5691505" y="122153"/>
+            <a:ext cx="1783843" cy="369332"/>
+          </a:xfrm>
+          <a:prstGeom prst="rect">
+            <a:avLst/>
+          </a:prstGeom>
+          <a:noFill/>
+        </p:spPr>
+        <p:txBody>
+          <a:bodyPr wrap="square" rtlCol="0">
+            <a:spAutoFit/>
+          </a:bodyPr>
+          <a:lstStyle/>
+          <a:p>
+            <a:r>
+              <a:rPr lang="fr-FR" b="1" dirty="0" smtClean="0">
+                <a:solidFill>
+                  <a:schemeClr val="bg1">
+                    <a:lumMod val="85000"/>
+                  </a:schemeClr>
+                </a:solidFill>
+                <a:latin typeface="Segoe UI" panose="020B0502040204020203" pitchFamily="34" charset="0"/>
+                <a:ea typeface="Segoe UI" panose="020B0502040204020203" pitchFamily="34" charset="0"/>
+                <a:cs typeface="Segoe UI" panose="020B0502040204020203" pitchFamily="34" charset="0"/>
+              </a:rPr>
+              <a:t>Fonctionnel</a:t>
+            </a:r>
+            <a:endParaRPr lang="fr-FR" b="1" dirty="0">
+              <a:solidFill>
+                <a:schemeClr val="bg1">
+                  <a:lumMod val="85000"/>
+                </a:schemeClr>
+              </a:solidFill>
+              <a:latin typeface="Segoe UI" panose="020B0502040204020203" pitchFamily="34" charset="0"/>
+              <a:ea typeface="Segoe UI" panose="020B0502040204020203" pitchFamily="34" charset="0"/>
+              <a:cs typeface="Segoe UI" panose="020B0502040204020203" pitchFamily="34" charset="0"/>
+            </a:endParaRPr>
+          </a:p>
+        </p:txBody>
+      </p:sp>
+      <p:sp>
+        <p:nvSpPr>
+          <p:cNvPr id="27" name="ZoneTexte 26"/>
+          <p:cNvSpPr txBox="1"/>
+          <p:nvPr/>
+        </p:nvSpPr>
+        <p:spPr>
+          <a:xfrm>
+            <a:off x="8243955" y="119616"/>
+            <a:ext cx="1669311" cy="369332"/>
+          </a:xfrm>
+          <a:prstGeom prst="rect">
+            <a:avLst/>
+          </a:prstGeom>
+          <a:noFill/>
+        </p:spPr>
+        <p:txBody>
+          <a:bodyPr wrap="square" rtlCol="0">
+            <a:spAutoFit/>
+          </a:bodyPr>
+          <a:lstStyle/>
+          <a:p>
+            <a:pPr>
+              <a:tabLst>
+                <a:tab pos="177800" algn="l"/>
+              </a:tabLst>
+            </a:pPr>
+            <a:r>
+              <a:rPr lang="fr-FR" b="1" dirty="0" smtClean="0">
+                <a:solidFill>
+                  <a:schemeClr val="bg1"/>
+                </a:solidFill>
+                <a:latin typeface="Segoe UI" panose="020B0502040204020203" pitchFamily="34" charset="0"/>
+                <a:ea typeface="Segoe UI" panose="020B0502040204020203" pitchFamily="34" charset="0"/>
+                <a:cs typeface="Segoe UI" panose="020B0502040204020203" pitchFamily="34" charset="0"/>
+              </a:rPr>
+              <a:t>Technique</a:t>
+            </a:r>
+            <a:endParaRPr lang="fr-FR" b="1" dirty="0">
+              <a:solidFill>
+                <a:schemeClr val="bg1"/>
+              </a:solidFill>
+              <a:latin typeface="Segoe UI" panose="020B0502040204020203" pitchFamily="34" charset="0"/>
+              <a:ea typeface="Segoe UI" panose="020B0502040204020203" pitchFamily="34" charset="0"/>
+              <a:cs typeface="Segoe UI" panose="020B0502040204020203" pitchFamily="34" charset="0"/>
+            </a:endParaRPr>
+          </a:p>
+        </p:txBody>
+      </p:sp>
+      <p:sp>
+        <p:nvSpPr>
+          <p:cNvPr id="29" name="Arrondir un rectangle avec un coin diagonal 28"/>
+          <p:cNvSpPr/>
+          <p:nvPr/>
+        </p:nvSpPr>
+        <p:spPr>
+          <a:xfrm>
+            <a:off x="2188269" y="241182"/>
+            <a:ext cx="99717" cy="119062"/>
+          </a:xfrm>
+          <a:prstGeom prst="round2DiagRect">
+            <a:avLst/>
+          </a:prstGeom>
+          <a:solidFill>
+            <a:schemeClr val="bg1">
+              <a:lumMod val="85000"/>
+            </a:schemeClr>
+          </a:solidFill>
+          <a:ln>
+            <a:noFill/>
+          </a:ln>
+        </p:spPr>
+        <p:style>
+          <a:lnRef idx="2">
+            <a:schemeClr val="accent1">
+              <a:shade val="50000"/>
+            </a:schemeClr>
+          </a:lnRef>
+          <a:fillRef idx="1">
+            <a:schemeClr val="accent1"/>
+          </a:fillRef>
+          <a:effectRef idx="0">
+            <a:schemeClr val="accent1"/>
+          </a:effectRef>
+          <a:fontRef idx="minor">
+            <a:schemeClr val="lt1"/>
+          </a:fontRef>
+        </p:style>
+        <p:txBody>
+          <a:bodyPr anchor="ctr"/>
+          <a:lstStyle/>
+          <a:p>
+            <a:pPr algn="ctr">
+              <a:defRPr/>
+            </a:pPr>
+            <a:endParaRPr lang="fr-FR" b="1">
+              <a:latin typeface="Segoe UI" panose="020B0502040204020203" pitchFamily="34" charset="0"/>
+              <a:ea typeface="Segoe UI" panose="020B0502040204020203" pitchFamily="34" charset="0"/>
+              <a:cs typeface="Segoe UI" panose="020B0502040204020203" pitchFamily="34" charset="0"/>
+            </a:endParaRPr>
+          </a:p>
+        </p:txBody>
+      </p:sp>
+      <p:pic>
+        <p:nvPicPr>
+          <p:cNvPr id="31" name="Image 30"/>
+          <p:cNvPicPr>
+            <a:picLocks noChangeAspect="1"/>
+          </p:cNvPicPr>
+          <p:nvPr/>
+        </p:nvPicPr>
+        <p:blipFill>
+          <a:blip r:embed="rId4" cstate="print">
+            <a:extLst>
+              <a:ext uri="{28A0092B-C50C-407E-A947-70E740481C1C}">
+                <a14:useLocalDpi xmlns:a14="http://schemas.microsoft.com/office/drawing/2010/main" val="0"/>
+              </a:ext>
+            </a:extLst>
+          </a:blip>
+          <a:stretch>
+            <a:fillRect/>
+          </a:stretch>
+        </p:blipFill>
+        <p:spPr>
+          <a:xfrm>
+            <a:off x="5699026" y="6111540"/>
+            <a:ext cx="449226" cy="449226"/>
+          </a:xfrm>
+          <a:prstGeom prst="rect">
+            <a:avLst/>
+          </a:prstGeom>
+        </p:spPr>
+      </p:pic>
+      <p:pic>
+        <p:nvPicPr>
+          <p:cNvPr id="32" name="Image 31"/>
+          <p:cNvPicPr>
+            <a:picLocks noChangeAspect="1"/>
+          </p:cNvPicPr>
+          <p:nvPr/>
+        </p:nvPicPr>
+        <p:blipFill>
+          <a:blip r:embed="rId5" cstate="print">
+            <a:extLst>
+              <a:ext uri="{28A0092B-C50C-407E-A947-70E740481C1C}">
+                <a14:useLocalDpi xmlns:a14="http://schemas.microsoft.com/office/drawing/2010/main" val="0"/>
+              </a:ext>
+            </a:extLst>
+          </a:blip>
+          <a:stretch>
+            <a:fillRect/>
+          </a:stretch>
+        </p:blipFill>
+        <p:spPr>
+          <a:xfrm>
+            <a:off x="1584356" y="5920420"/>
+            <a:ext cx="821322" cy="788606"/>
+          </a:xfrm>
+          <a:prstGeom prst="rect">
+            <a:avLst/>
+          </a:prstGeom>
+        </p:spPr>
+      </p:pic>
+      <p:pic>
+        <p:nvPicPr>
+          <p:cNvPr id="3" name="Image 2"/>
+          <p:cNvPicPr>
+            <a:picLocks noChangeAspect="1"/>
+          </p:cNvPicPr>
+          <p:nvPr/>
+        </p:nvPicPr>
+        <p:blipFill>
+          <a:blip r:embed="rId6" cstate="print">
+            <a:extLst>
+              <a:ext uri="{28A0092B-C50C-407E-A947-70E740481C1C}">
+                <a14:useLocalDpi xmlns:a14="http://schemas.microsoft.com/office/drawing/2010/main" val="0"/>
+              </a:ext>
+            </a:extLst>
+          </a:blip>
+          <a:stretch>
+            <a:fillRect/>
+          </a:stretch>
+        </p:blipFill>
+        <p:spPr>
+          <a:xfrm>
+            <a:off x="2745087" y="6143720"/>
+            <a:ext cx="449226" cy="449226"/>
+          </a:xfrm>
+          <a:prstGeom prst="rect">
+            <a:avLst/>
+          </a:prstGeom>
+        </p:spPr>
+      </p:pic>
+      <p:pic>
+        <p:nvPicPr>
+          <p:cNvPr id="14" name="Image 13"/>
+          <p:cNvPicPr>
+            <a:picLocks noChangeAspect="1"/>
+          </p:cNvPicPr>
+          <p:nvPr/>
+        </p:nvPicPr>
+        <p:blipFill>
+          <a:blip r:embed="rId7" cstate="print">
+            <a:extLst>
+              <a:ext uri="{28A0092B-C50C-407E-A947-70E740481C1C}">
+                <a14:useLocalDpi xmlns:a14="http://schemas.microsoft.com/office/drawing/2010/main" val="0"/>
+              </a:ext>
+            </a:extLst>
+          </a:blip>
+          <a:stretch>
+            <a:fillRect/>
+          </a:stretch>
+        </p:blipFill>
+        <p:spPr>
+          <a:xfrm>
+            <a:off x="8431298" y="6083890"/>
+            <a:ext cx="575696" cy="529640"/>
+          </a:xfrm>
+          <a:prstGeom prst="rect">
+            <a:avLst/>
+          </a:prstGeom>
+        </p:spPr>
+      </p:pic>
+      <p:sp>
+        <p:nvSpPr>
+          <p:cNvPr id="34" name="ZoneTexte 33"/>
+          <p:cNvSpPr txBox="1"/>
+          <p:nvPr/>
+        </p:nvSpPr>
+        <p:spPr>
+          <a:xfrm>
+            <a:off x="2405481" y="6083890"/>
+            <a:ext cx="338554" cy="461665"/>
+          </a:xfrm>
+          <a:prstGeom prst="rect">
+            <a:avLst/>
+          </a:prstGeom>
+          <a:noFill/>
+        </p:spPr>
+        <p:txBody>
+          <a:bodyPr wrap="none" rtlCol="0">
+            <a:spAutoFit/>
+          </a:bodyPr>
+          <a:lstStyle/>
+          <a:p>
+            <a:r>
+              <a:rPr lang="fr-FR" sz="2400" dirty="0" smtClean="0"/>
+              <a:t>+</a:t>
+            </a:r>
+            <a:endParaRPr lang="fr-FR" sz="2400" dirty="0"/>
+          </a:p>
+        </p:txBody>
+      </p:sp>
+      <p:pic>
+        <p:nvPicPr>
+          <p:cNvPr id="35" name="Image 34"/>
+          <p:cNvPicPr>
+            <a:picLocks noChangeAspect="1"/>
+          </p:cNvPicPr>
+          <p:nvPr/>
+        </p:nvPicPr>
+        <p:blipFill>
+          <a:blip r:embed="rId8" cstate="print">
+            <a:extLst>
+              <a:ext uri="{28A0092B-C50C-407E-A947-70E740481C1C}">
+                <a14:useLocalDpi xmlns:a14="http://schemas.microsoft.com/office/drawing/2010/main" val="0"/>
+              </a:ext>
+            </a:extLst>
+          </a:blip>
+          <a:stretch>
+            <a:fillRect/>
+          </a:stretch>
+        </p:blipFill>
+        <p:spPr>
+          <a:xfrm>
+            <a:off x="3454479" y="6085657"/>
+            <a:ext cx="661460" cy="555523"/>
+          </a:xfrm>
+          <a:prstGeom prst="rect">
+            <a:avLst/>
+          </a:prstGeom>
+        </p:spPr>
+      </p:pic>
+      <p:sp>
+        <p:nvSpPr>
+          <p:cNvPr id="36" name="ZoneTexte 35"/>
+          <p:cNvSpPr txBox="1"/>
+          <p:nvPr/>
+        </p:nvSpPr>
+        <p:spPr>
+          <a:xfrm>
+            <a:off x="3162344" y="6083890"/>
+            <a:ext cx="338554" cy="461665"/>
+          </a:xfrm>
+          <a:prstGeom prst="rect">
+            <a:avLst/>
+          </a:prstGeom>
+          <a:noFill/>
+        </p:spPr>
+        <p:txBody>
+          <a:bodyPr wrap="none" rtlCol="0">
+            <a:spAutoFit/>
+          </a:bodyPr>
+          <a:lstStyle/>
+          <a:p>
+            <a:r>
+              <a:rPr lang="fr-FR" sz="2400" dirty="0" smtClean="0"/>
+              <a:t>+</a:t>
+            </a:r>
+            <a:endParaRPr lang="fr-FR" sz="2400" dirty="0"/>
+          </a:p>
+        </p:txBody>
+      </p:sp>
     </p:spTree>
     <p:extLst>
       <p:ext uri="{BB962C8B-B14F-4D97-AF65-F5344CB8AC3E}">
@@ -9646,6 +9818,627 @@
                       </p:childTnLst>
                     </p:cTn>
                   </p:par>
+                  <p:par>
+                    <p:cTn id="38" fill="hold">
+                      <p:stCondLst>
+                        <p:cond delay="indefinite"/>
+                      </p:stCondLst>
+                      <p:childTnLst>
+                        <p:par>
+                          <p:cTn id="39" fill="hold">
+                            <p:stCondLst>
+                              <p:cond delay="0"/>
+                            </p:stCondLst>
+                            <p:childTnLst>
+                              <p:par>
+                                <p:cTn id="40" presetID="42" presetClass="entr" presetSubtype="0" fill="hold" nodeType="clickEffect">
+                                  <p:stCondLst>
+                                    <p:cond delay="0"/>
+                                  </p:stCondLst>
+                                  <p:childTnLst>
+                                    <p:set>
+                                      <p:cBhvr>
+                                        <p:cTn id="41" dur="1" fill="hold">
+                                          <p:stCondLst>
+                                            <p:cond delay="0"/>
+                                          </p:stCondLst>
+                                        </p:cTn>
+                                        <p:tgtEl>
+                                          <p:spTgt spid="32"/>
+                                        </p:tgtEl>
+                                        <p:attrNameLst>
+                                          <p:attrName>style.visibility</p:attrName>
+                                        </p:attrNameLst>
+                                      </p:cBhvr>
+                                      <p:to>
+                                        <p:strVal val="visible"/>
+                                      </p:to>
+                                    </p:set>
+                                    <p:animEffect transition="in" filter="fade">
+                                      <p:cBhvr>
+                                        <p:cTn id="42" dur="1000"/>
+                                        <p:tgtEl>
+                                          <p:spTgt spid="32"/>
+                                        </p:tgtEl>
+                                      </p:cBhvr>
+                                    </p:animEffect>
+                                    <p:anim calcmode="lin" valueType="num">
+                                      <p:cBhvr>
+                                        <p:cTn id="43" dur="1000" fill="hold"/>
+                                        <p:tgtEl>
+                                          <p:spTgt spid="32"/>
+                                        </p:tgtEl>
+                                        <p:attrNameLst>
+                                          <p:attrName>ppt_x</p:attrName>
+                                        </p:attrNameLst>
+                                      </p:cBhvr>
+                                      <p:tavLst>
+                                        <p:tav tm="0">
+                                          <p:val>
+                                            <p:strVal val="#ppt_x"/>
+                                          </p:val>
+                                        </p:tav>
+                                        <p:tav tm="100000">
+                                          <p:val>
+                                            <p:strVal val="#ppt_x"/>
+                                          </p:val>
+                                        </p:tav>
+                                      </p:tavLst>
+                                    </p:anim>
+                                    <p:anim calcmode="lin" valueType="num">
+                                      <p:cBhvr>
+                                        <p:cTn id="44" dur="1000" fill="hold"/>
+                                        <p:tgtEl>
+                                          <p:spTgt spid="32"/>
+                                        </p:tgtEl>
+                                        <p:attrNameLst>
+                                          <p:attrName>ppt_y</p:attrName>
+                                        </p:attrNameLst>
+                                      </p:cBhvr>
+                                      <p:tavLst>
+                                        <p:tav tm="0">
+                                          <p:val>
+                                            <p:strVal val="#ppt_y+.1"/>
+                                          </p:val>
+                                        </p:tav>
+                                        <p:tav tm="100000">
+                                          <p:val>
+                                            <p:strVal val="#ppt_y"/>
+                                          </p:val>
+                                        </p:tav>
+                                      </p:tavLst>
+                                    </p:anim>
+                                  </p:childTnLst>
+                                </p:cTn>
+                              </p:par>
+                              <p:par>
+                                <p:cTn id="45" presetID="42" presetClass="entr" presetSubtype="0" fill="hold" grpId="0" nodeType="withEffect">
+                                  <p:stCondLst>
+                                    <p:cond delay="0"/>
+                                  </p:stCondLst>
+                                  <p:childTnLst>
+                                    <p:set>
+                                      <p:cBhvr>
+                                        <p:cTn id="46" dur="1" fill="hold">
+                                          <p:stCondLst>
+                                            <p:cond delay="0"/>
+                                          </p:stCondLst>
+                                        </p:cTn>
+                                        <p:tgtEl>
+                                          <p:spTgt spid="34"/>
+                                        </p:tgtEl>
+                                        <p:attrNameLst>
+                                          <p:attrName>style.visibility</p:attrName>
+                                        </p:attrNameLst>
+                                      </p:cBhvr>
+                                      <p:to>
+                                        <p:strVal val="visible"/>
+                                      </p:to>
+                                    </p:set>
+                                    <p:animEffect transition="in" filter="fade">
+                                      <p:cBhvr>
+                                        <p:cTn id="47" dur="1000"/>
+                                        <p:tgtEl>
+                                          <p:spTgt spid="34"/>
+                                        </p:tgtEl>
+                                      </p:cBhvr>
+                                    </p:animEffect>
+                                    <p:anim calcmode="lin" valueType="num">
+                                      <p:cBhvr>
+                                        <p:cTn id="48" dur="1000" fill="hold"/>
+                                        <p:tgtEl>
+                                          <p:spTgt spid="34"/>
+                                        </p:tgtEl>
+                                        <p:attrNameLst>
+                                          <p:attrName>ppt_x</p:attrName>
+                                        </p:attrNameLst>
+                                      </p:cBhvr>
+                                      <p:tavLst>
+                                        <p:tav tm="0">
+                                          <p:val>
+                                            <p:strVal val="#ppt_x"/>
+                                          </p:val>
+                                        </p:tav>
+                                        <p:tav tm="100000">
+                                          <p:val>
+                                            <p:strVal val="#ppt_x"/>
+                                          </p:val>
+                                        </p:tav>
+                                      </p:tavLst>
+                                    </p:anim>
+                                    <p:anim calcmode="lin" valueType="num">
+                                      <p:cBhvr>
+                                        <p:cTn id="49" dur="1000" fill="hold"/>
+                                        <p:tgtEl>
+                                          <p:spTgt spid="34"/>
+                                        </p:tgtEl>
+                                        <p:attrNameLst>
+                                          <p:attrName>ppt_y</p:attrName>
+                                        </p:attrNameLst>
+                                      </p:cBhvr>
+                                      <p:tavLst>
+                                        <p:tav tm="0">
+                                          <p:val>
+                                            <p:strVal val="#ppt_y+.1"/>
+                                          </p:val>
+                                        </p:tav>
+                                        <p:tav tm="100000">
+                                          <p:val>
+                                            <p:strVal val="#ppt_y"/>
+                                          </p:val>
+                                        </p:tav>
+                                      </p:tavLst>
+                                    </p:anim>
+                                  </p:childTnLst>
+                                </p:cTn>
+                              </p:par>
+                              <p:par>
+                                <p:cTn id="50" presetID="42" presetClass="entr" presetSubtype="0" fill="hold" nodeType="withEffect">
+                                  <p:stCondLst>
+                                    <p:cond delay="0"/>
+                                  </p:stCondLst>
+                                  <p:childTnLst>
+                                    <p:set>
+                                      <p:cBhvr>
+                                        <p:cTn id="51" dur="1" fill="hold">
+                                          <p:stCondLst>
+                                            <p:cond delay="0"/>
+                                          </p:stCondLst>
+                                        </p:cTn>
+                                        <p:tgtEl>
+                                          <p:spTgt spid="3"/>
+                                        </p:tgtEl>
+                                        <p:attrNameLst>
+                                          <p:attrName>style.visibility</p:attrName>
+                                        </p:attrNameLst>
+                                      </p:cBhvr>
+                                      <p:to>
+                                        <p:strVal val="visible"/>
+                                      </p:to>
+                                    </p:set>
+                                    <p:animEffect transition="in" filter="fade">
+                                      <p:cBhvr>
+                                        <p:cTn id="52" dur="1000"/>
+                                        <p:tgtEl>
+                                          <p:spTgt spid="3"/>
+                                        </p:tgtEl>
+                                      </p:cBhvr>
+                                    </p:animEffect>
+                                    <p:anim calcmode="lin" valueType="num">
+                                      <p:cBhvr>
+                                        <p:cTn id="53" dur="1000" fill="hold"/>
+                                        <p:tgtEl>
+                                          <p:spTgt spid="3"/>
+                                        </p:tgtEl>
+                                        <p:attrNameLst>
+                                          <p:attrName>ppt_x</p:attrName>
+                                        </p:attrNameLst>
+                                      </p:cBhvr>
+                                      <p:tavLst>
+                                        <p:tav tm="0">
+                                          <p:val>
+                                            <p:strVal val="#ppt_x"/>
+                                          </p:val>
+                                        </p:tav>
+                                        <p:tav tm="100000">
+                                          <p:val>
+                                            <p:strVal val="#ppt_x"/>
+                                          </p:val>
+                                        </p:tav>
+                                      </p:tavLst>
+                                    </p:anim>
+                                    <p:anim calcmode="lin" valueType="num">
+                                      <p:cBhvr>
+                                        <p:cTn id="54" dur="1000" fill="hold"/>
+                                        <p:tgtEl>
+                                          <p:spTgt spid="3"/>
+                                        </p:tgtEl>
+                                        <p:attrNameLst>
+                                          <p:attrName>ppt_y</p:attrName>
+                                        </p:attrNameLst>
+                                      </p:cBhvr>
+                                      <p:tavLst>
+                                        <p:tav tm="0">
+                                          <p:val>
+                                            <p:strVal val="#ppt_y+.1"/>
+                                          </p:val>
+                                        </p:tav>
+                                        <p:tav tm="100000">
+                                          <p:val>
+                                            <p:strVal val="#ppt_y"/>
+                                          </p:val>
+                                        </p:tav>
+                                      </p:tavLst>
+                                    </p:anim>
+                                  </p:childTnLst>
+                                </p:cTn>
+                              </p:par>
+                              <p:par>
+                                <p:cTn id="55" presetID="42" presetClass="entr" presetSubtype="0" fill="hold" grpId="0" nodeType="withEffect">
+                                  <p:stCondLst>
+                                    <p:cond delay="0"/>
+                                  </p:stCondLst>
+                                  <p:childTnLst>
+                                    <p:set>
+                                      <p:cBhvr>
+                                        <p:cTn id="56" dur="1" fill="hold">
+                                          <p:stCondLst>
+                                            <p:cond delay="0"/>
+                                          </p:stCondLst>
+                                        </p:cTn>
+                                        <p:tgtEl>
+                                          <p:spTgt spid="36"/>
+                                        </p:tgtEl>
+                                        <p:attrNameLst>
+                                          <p:attrName>style.visibility</p:attrName>
+                                        </p:attrNameLst>
+                                      </p:cBhvr>
+                                      <p:to>
+                                        <p:strVal val="visible"/>
+                                      </p:to>
+                                    </p:set>
+                                    <p:animEffect transition="in" filter="fade">
+                                      <p:cBhvr>
+                                        <p:cTn id="57" dur="1000"/>
+                                        <p:tgtEl>
+                                          <p:spTgt spid="36"/>
+                                        </p:tgtEl>
+                                      </p:cBhvr>
+                                    </p:animEffect>
+                                    <p:anim calcmode="lin" valueType="num">
+                                      <p:cBhvr>
+                                        <p:cTn id="58" dur="1000" fill="hold"/>
+                                        <p:tgtEl>
+                                          <p:spTgt spid="36"/>
+                                        </p:tgtEl>
+                                        <p:attrNameLst>
+                                          <p:attrName>ppt_x</p:attrName>
+                                        </p:attrNameLst>
+                                      </p:cBhvr>
+                                      <p:tavLst>
+                                        <p:tav tm="0">
+                                          <p:val>
+                                            <p:strVal val="#ppt_x"/>
+                                          </p:val>
+                                        </p:tav>
+                                        <p:tav tm="100000">
+                                          <p:val>
+                                            <p:strVal val="#ppt_x"/>
+                                          </p:val>
+                                        </p:tav>
+                                      </p:tavLst>
+                                    </p:anim>
+                                    <p:anim calcmode="lin" valueType="num">
+                                      <p:cBhvr>
+                                        <p:cTn id="59" dur="1000" fill="hold"/>
+                                        <p:tgtEl>
+                                          <p:spTgt spid="36"/>
+                                        </p:tgtEl>
+                                        <p:attrNameLst>
+                                          <p:attrName>ppt_y</p:attrName>
+                                        </p:attrNameLst>
+                                      </p:cBhvr>
+                                      <p:tavLst>
+                                        <p:tav tm="0">
+                                          <p:val>
+                                            <p:strVal val="#ppt_y+.1"/>
+                                          </p:val>
+                                        </p:tav>
+                                        <p:tav tm="100000">
+                                          <p:val>
+                                            <p:strVal val="#ppt_y"/>
+                                          </p:val>
+                                        </p:tav>
+                                      </p:tavLst>
+                                    </p:anim>
+                                  </p:childTnLst>
+                                </p:cTn>
+                              </p:par>
+                              <p:par>
+                                <p:cTn id="60" presetID="42" presetClass="entr" presetSubtype="0" fill="hold" nodeType="withEffect">
+                                  <p:stCondLst>
+                                    <p:cond delay="0"/>
+                                  </p:stCondLst>
+                                  <p:childTnLst>
+                                    <p:set>
+                                      <p:cBhvr>
+                                        <p:cTn id="61" dur="1" fill="hold">
+                                          <p:stCondLst>
+                                            <p:cond delay="0"/>
+                                          </p:stCondLst>
+                                        </p:cTn>
+                                        <p:tgtEl>
+                                          <p:spTgt spid="35"/>
+                                        </p:tgtEl>
+                                        <p:attrNameLst>
+                                          <p:attrName>style.visibility</p:attrName>
+                                        </p:attrNameLst>
+                                      </p:cBhvr>
+                                      <p:to>
+                                        <p:strVal val="visible"/>
+                                      </p:to>
+                                    </p:set>
+                                    <p:animEffect transition="in" filter="fade">
+                                      <p:cBhvr>
+                                        <p:cTn id="62" dur="1000"/>
+                                        <p:tgtEl>
+                                          <p:spTgt spid="35"/>
+                                        </p:tgtEl>
+                                      </p:cBhvr>
+                                    </p:animEffect>
+                                    <p:anim calcmode="lin" valueType="num">
+                                      <p:cBhvr>
+                                        <p:cTn id="63" dur="1000" fill="hold"/>
+                                        <p:tgtEl>
+                                          <p:spTgt spid="35"/>
+                                        </p:tgtEl>
+                                        <p:attrNameLst>
+                                          <p:attrName>ppt_x</p:attrName>
+                                        </p:attrNameLst>
+                                      </p:cBhvr>
+                                      <p:tavLst>
+                                        <p:tav tm="0">
+                                          <p:val>
+                                            <p:strVal val="#ppt_x"/>
+                                          </p:val>
+                                        </p:tav>
+                                        <p:tav tm="100000">
+                                          <p:val>
+                                            <p:strVal val="#ppt_x"/>
+                                          </p:val>
+                                        </p:tav>
+                                      </p:tavLst>
+                                    </p:anim>
+                                    <p:anim calcmode="lin" valueType="num">
+                                      <p:cBhvr>
+                                        <p:cTn id="64" dur="1000" fill="hold"/>
+                                        <p:tgtEl>
+                                          <p:spTgt spid="35"/>
+                                        </p:tgtEl>
+                                        <p:attrNameLst>
+                                          <p:attrName>ppt_y</p:attrName>
+                                        </p:attrNameLst>
+                                      </p:cBhvr>
+                                      <p:tavLst>
+                                        <p:tav tm="0">
+                                          <p:val>
+                                            <p:strVal val="#ppt_y+.1"/>
+                                          </p:val>
+                                        </p:tav>
+                                        <p:tav tm="100000">
+                                          <p:val>
+                                            <p:strVal val="#ppt_y"/>
+                                          </p:val>
+                                        </p:tav>
+                                      </p:tavLst>
+                                    </p:anim>
+                                  </p:childTnLst>
+                                </p:cTn>
+                              </p:par>
+                            </p:childTnLst>
+                          </p:cTn>
+                        </p:par>
+                      </p:childTnLst>
+                    </p:cTn>
+                  </p:par>
+                  <p:par>
+                    <p:cTn id="65" fill="hold">
+                      <p:stCondLst>
+                        <p:cond delay="indefinite"/>
+                      </p:stCondLst>
+                      <p:childTnLst>
+                        <p:par>
+                          <p:cTn id="66" fill="hold">
+                            <p:stCondLst>
+                              <p:cond delay="0"/>
+                            </p:stCondLst>
+                            <p:childTnLst>
+                              <p:par>
+                                <p:cTn id="67" presetID="42" presetClass="entr" presetSubtype="0" fill="hold" nodeType="clickEffect">
+                                  <p:stCondLst>
+                                    <p:cond delay="0"/>
+                                  </p:stCondLst>
+                                  <p:childTnLst>
+                                    <p:set>
+                                      <p:cBhvr>
+                                        <p:cTn id="68" dur="1" fill="hold">
+                                          <p:stCondLst>
+                                            <p:cond delay="0"/>
+                                          </p:stCondLst>
+                                        </p:cTn>
+                                        <p:tgtEl>
+                                          <p:spTgt spid="31"/>
+                                        </p:tgtEl>
+                                        <p:attrNameLst>
+                                          <p:attrName>style.visibility</p:attrName>
+                                        </p:attrNameLst>
+                                      </p:cBhvr>
+                                      <p:to>
+                                        <p:strVal val="visible"/>
+                                      </p:to>
+                                    </p:set>
+                                    <p:animEffect transition="in" filter="fade">
+                                      <p:cBhvr>
+                                        <p:cTn id="69" dur="1000"/>
+                                        <p:tgtEl>
+                                          <p:spTgt spid="31"/>
+                                        </p:tgtEl>
+                                      </p:cBhvr>
+                                    </p:animEffect>
+                                    <p:anim calcmode="lin" valueType="num">
+                                      <p:cBhvr>
+                                        <p:cTn id="70" dur="1000" fill="hold"/>
+                                        <p:tgtEl>
+                                          <p:spTgt spid="31"/>
+                                        </p:tgtEl>
+                                        <p:attrNameLst>
+                                          <p:attrName>ppt_x</p:attrName>
+                                        </p:attrNameLst>
+                                      </p:cBhvr>
+                                      <p:tavLst>
+                                        <p:tav tm="0">
+                                          <p:val>
+                                            <p:strVal val="#ppt_x"/>
+                                          </p:val>
+                                        </p:tav>
+                                        <p:tav tm="100000">
+                                          <p:val>
+                                            <p:strVal val="#ppt_x"/>
+                                          </p:val>
+                                        </p:tav>
+                                      </p:tavLst>
+                                    </p:anim>
+                                    <p:anim calcmode="lin" valueType="num">
+                                      <p:cBhvr>
+                                        <p:cTn id="71" dur="1000" fill="hold"/>
+                                        <p:tgtEl>
+                                          <p:spTgt spid="31"/>
+                                        </p:tgtEl>
+                                        <p:attrNameLst>
+                                          <p:attrName>ppt_y</p:attrName>
+                                        </p:attrNameLst>
+                                      </p:cBhvr>
+                                      <p:tavLst>
+                                        <p:tav tm="0">
+                                          <p:val>
+                                            <p:strVal val="#ppt_y+.1"/>
+                                          </p:val>
+                                        </p:tav>
+                                        <p:tav tm="100000">
+                                          <p:val>
+                                            <p:strVal val="#ppt_y"/>
+                                          </p:val>
+                                        </p:tav>
+                                      </p:tavLst>
+                                    </p:anim>
+                                  </p:childTnLst>
+                                </p:cTn>
+                              </p:par>
+                            </p:childTnLst>
+                          </p:cTn>
+                        </p:par>
+                      </p:childTnLst>
+                    </p:cTn>
+                  </p:par>
+                  <p:par>
+                    <p:cTn id="72" fill="hold">
+                      <p:stCondLst>
+                        <p:cond delay="indefinite"/>
+                      </p:stCondLst>
+                      <p:childTnLst>
+                        <p:par>
+                          <p:cTn id="73" fill="hold">
+                            <p:stCondLst>
+                              <p:cond delay="0"/>
+                            </p:stCondLst>
+                            <p:childTnLst>
+                              <p:par>
+                                <p:cTn id="74" presetID="42" presetClass="entr" presetSubtype="0" fill="hold" nodeType="clickEffect">
+                                  <p:stCondLst>
+                                    <p:cond delay="0"/>
+                                  </p:stCondLst>
+                                  <p:childTnLst>
+                                    <p:set>
+                                      <p:cBhvr>
+                                        <p:cTn id="75" dur="1" fill="hold">
+                                          <p:stCondLst>
+                                            <p:cond delay="0"/>
+                                          </p:stCondLst>
+                                        </p:cTn>
+                                        <p:tgtEl>
+                                          <p:spTgt spid="14"/>
+                                        </p:tgtEl>
+                                        <p:attrNameLst>
+                                          <p:attrName>style.visibility</p:attrName>
+                                        </p:attrNameLst>
+                                      </p:cBhvr>
+                                      <p:to>
+                                        <p:strVal val="visible"/>
+                                      </p:to>
+                                    </p:set>
+                                    <p:animEffect transition="in" filter="fade">
+                                      <p:cBhvr>
+                                        <p:cTn id="76" dur="1000"/>
+                                        <p:tgtEl>
+                                          <p:spTgt spid="14"/>
+                                        </p:tgtEl>
+                                      </p:cBhvr>
+                                    </p:animEffect>
+                                    <p:anim calcmode="lin" valueType="num">
+                                      <p:cBhvr>
+                                        <p:cTn id="77" dur="1000" fill="hold"/>
+                                        <p:tgtEl>
+                                          <p:spTgt spid="14"/>
+                                        </p:tgtEl>
+                                        <p:attrNameLst>
+                                          <p:attrName>ppt_x</p:attrName>
+                                        </p:attrNameLst>
+                                      </p:cBhvr>
+                                      <p:tavLst>
+                                        <p:tav tm="0">
+                                          <p:val>
+                                            <p:strVal val="#ppt_x"/>
+                                          </p:val>
+                                        </p:tav>
+                                        <p:tav tm="100000">
+                                          <p:val>
+                                            <p:strVal val="#ppt_x"/>
+                                          </p:val>
+                                        </p:tav>
+                                      </p:tavLst>
+                                    </p:anim>
+                                    <p:anim calcmode="lin" valueType="num">
+                                      <p:cBhvr>
+                                        <p:cTn id="78" dur="1000" fill="hold"/>
+                                        <p:tgtEl>
+                                          <p:spTgt spid="14"/>
+                                        </p:tgtEl>
+                                        <p:attrNameLst>
+                                          <p:attrName>ppt_y</p:attrName>
+                                        </p:attrNameLst>
+                                      </p:cBhvr>
+                                      <p:tavLst>
+                                        <p:tav tm="0">
+                                          <p:val>
+                                            <p:strVal val="#ppt_y+.1"/>
+                                          </p:val>
+                                        </p:tav>
+                                        <p:tav tm="100000">
+                                          <p:val>
+                                            <p:strVal val="#ppt_y"/>
+                                          </p:val>
+                                        </p:tav>
+                                      </p:tavLst>
+                                    </p:anim>
+                                  </p:childTnLst>
+                                </p:cTn>
+                              </p:par>
+                            </p:childTnLst>
+                          </p:cTn>
+                        </p:par>
+                      </p:childTnLst>
+                    </p:cTn>
+                  </p:par>
                 </p:childTnLst>
               </p:cTn>
               <p:prevCondLst>
@@ -9674,6 +10467,8 @@
       <p:bldP spid="17" grpId="0" animBg="1"/>
       <p:bldP spid="18" grpId="0" animBg="1"/>
       <p:bldP spid="19" grpId="0" animBg="1"/>
+      <p:bldP spid="34" grpId="0"/>
+      <p:bldP spid="36" grpId="0"/>
     </p:bldLst>
   </p:timing>
 </p:sld>
@@ -9698,7 +10493,228 @@
       </p:grpSpPr>
       <p:sp>
         <p:nvSpPr>
-          <p:cNvPr id="4" name="Rectangle 3"/>
+          <p:cNvPr id="11" name="ZoneTexte 10"/>
+          <p:cNvSpPr txBox="1"/>
+          <p:nvPr/>
+        </p:nvSpPr>
+        <p:spPr>
+          <a:xfrm>
+            <a:off x="1584356" y="765587"/>
+            <a:ext cx="9023288" cy="1200329"/>
+          </a:xfrm>
+          <a:prstGeom prst="rect">
+            <a:avLst/>
+          </a:prstGeom>
+          <a:noFill/>
+        </p:spPr>
+        <p:txBody>
+          <a:bodyPr wrap="square" rtlCol="0">
+            <a:spAutoFit/>
+          </a:bodyPr>
+          <a:lstStyle/>
+          <a:p>
+            <a:pPr algn="ctr"/>
+            <a:r>
+              <a:rPr lang="fr-FR" sz="7200" dirty="0" smtClean="0">
+                <a:latin typeface="Bebas Neue" panose="020B0606020202050201" pitchFamily="34" charset="0"/>
+              </a:rPr>
+              <a:t>Architecture technique</a:t>
+            </a:r>
+            <a:endParaRPr lang="fr-FR" sz="7200" dirty="0">
+              <a:latin typeface="Bebas Neue" panose="020B0606020202050201" pitchFamily="34" charset="0"/>
+            </a:endParaRPr>
+          </a:p>
+        </p:txBody>
+      </p:sp>
+      <p:pic>
+        <p:nvPicPr>
+          <p:cNvPr id="12" name="Image 11"/>
+          <p:cNvPicPr>
+            <a:picLocks noChangeAspect="1"/>
+          </p:cNvPicPr>
+          <p:nvPr/>
+        </p:nvPicPr>
+        <p:blipFill>
+          <a:blip r:embed="rId2">
+            <a:extLst>
+              <a:ext uri="{28A0092B-C50C-407E-A947-70E740481C1C}">
+                <a14:useLocalDpi xmlns:a14="http://schemas.microsoft.com/office/drawing/2010/main" val="0"/>
+              </a:ext>
+            </a:extLst>
+          </a:blip>
+          <a:stretch>
+            <a:fillRect/>
+          </a:stretch>
+        </p:blipFill>
+        <p:spPr>
+          <a:xfrm>
+            <a:off x="351446" y="749668"/>
+            <a:ext cx="992305" cy="992305"/>
+          </a:xfrm>
+          <a:prstGeom prst="rect">
+            <a:avLst/>
+          </a:prstGeom>
+        </p:spPr>
+      </p:pic>
+      <p:pic>
+        <p:nvPicPr>
+          <p:cNvPr id="13" name="Image 12"/>
+          <p:cNvPicPr>
+            <a:picLocks noChangeAspect="1"/>
+          </p:cNvPicPr>
+          <p:nvPr/>
+        </p:nvPicPr>
+        <p:blipFill>
+          <a:blip r:embed="rId3" cstate="print">
+            <a:extLst>
+              <a:ext uri="{28A0092B-C50C-407E-A947-70E740481C1C}">
+                <a14:useLocalDpi xmlns:a14="http://schemas.microsoft.com/office/drawing/2010/main" val="0"/>
+              </a:ext>
+            </a:extLst>
+          </a:blip>
+          <a:stretch>
+            <a:fillRect/>
+          </a:stretch>
+        </p:blipFill>
+        <p:spPr>
+          <a:xfrm>
+            <a:off x="10848249" y="813971"/>
+            <a:ext cx="928986" cy="928001"/>
+          </a:xfrm>
+          <a:prstGeom prst="rect">
+            <a:avLst/>
+          </a:prstGeom>
+        </p:spPr>
+      </p:pic>
+      <p:sp>
+        <p:nvSpPr>
+          <p:cNvPr id="21" name="Rectangle 20"/>
+          <p:cNvSpPr/>
+          <p:nvPr/>
+        </p:nvSpPr>
+        <p:spPr>
+          <a:xfrm>
+            <a:off x="2116242" y="2628008"/>
+            <a:ext cx="8419585" cy="1569660"/>
+          </a:xfrm>
+          <a:prstGeom prst="rect">
+            <a:avLst/>
+          </a:prstGeom>
+        </p:spPr>
+        <p:txBody>
+          <a:bodyPr wrap="square">
+            <a:spAutoFit/>
+          </a:bodyPr>
+          <a:lstStyle/>
+          <a:p>
+            <a:r>
+              <a:rPr lang="fr-FR" sz="2400" b="1" dirty="0" smtClean="0">
+                <a:solidFill>
+                  <a:schemeClr val="accent6"/>
+                </a:solidFill>
+              </a:rPr>
+              <a:t>Avantages</a:t>
+            </a:r>
+          </a:p>
+          <a:p>
+            <a:endParaRPr lang="fr-FR" sz="2400" dirty="0" smtClean="0"/>
+          </a:p>
+          <a:p>
+            <a:pPr marL="285750" indent="-285750">
+              <a:buFont typeface="Arial" panose="020B0604020202020204" pitchFamily="34" charset="0"/>
+              <a:buChar char="•"/>
+            </a:pPr>
+            <a:r>
+              <a:rPr lang="fr-FR" sz="2400" dirty="0" smtClean="0"/>
+              <a:t>Application modulable et extensible</a:t>
+            </a:r>
+          </a:p>
+          <a:p>
+            <a:pPr marL="285750" indent="-285750">
+              <a:buFont typeface="Arial" panose="020B0604020202020204" pitchFamily="34" charset="0"/>
+              <a:buChar char="•"/>
+            </a:pPr>
+            <a:endParaRPr lang="fr-FR" sz="2400" dirty="0"/>
+          </a:p>
+        </p:txBody>
+      </p:sp>
+      <p:sp>
+        <p:nvSpPr>
+          <p:cNvPr id="2" name="Rectangle 1"/>
+          <p:cNvSpPr/>
+          <p:nvPr/>
+        </p:nvSpPr>
+        <p:spPr>
+          <a:xfrm>
+            <a:off x="2116242" y="4582761"/>
+            <a:ext cx="6096000" cy="830997"/>
+          </a:xfrm>
+          <a:prstGeom prst="rect">
+            <a:avLst/>
+          </a:prstGeom>
+        </p:spPr>
+        <p:txBody>
+          <a:bodyPr>
+            <a:spAutoFit/>
+          </a:bodyPr>
+          <a:lstStyle/>
+          <a:p>
+            <a:r>
+              <a:rPr lang="fr-FR" sz="2400" b="1" dirty="0">
+                <a:solidFill>
+                  <a:srgbClr val="FFC000"/>
+                </a:solidFill>
+              </a:rPr>
+              <a:t>Inconvénient</a:t>
+            </a:r>
+          </a:p>
+          <a:p>
+            <a:pPr marL="342900" indent="-342900">
+              <a:buFont typeface="Arial" panose="020B0604020202020204" pitchFamily="34" charset="0"/>
+              <a:buChar char="•"/>
+            </a:pPr>
+            <a:r>
+              <a:rPr lang="fr-FR" sz="2400" dirty="0"/>
+              <a:t>Dépendre du prestataire cloud</a:t>
+            </a:r>
+          </a:p>
+        </p:txBody>
+      </p:sp>
+      <p:sp>
+        <p:nvSpPr>
+          <p:cNvPr id="3" name="Rectangle 2"/>
+          <p:cNvSpPr/>
+          <p:nvPr/>
+        </p:nvSpPr>
+        <p:spPr>
+          <a:xfrm>
+            <a:off x="2116242" y="3836216"/>
+            <a:ext cx="3768596" cy="461665"/>
+          </a:xfrm>
+          <a:prstGeom prst="rect">
+            <a:avLst/>
+          </a:prstGeom>
+        </p:spPr>
+        <p:txBody>
+          <a:bodyPr wrap="none">
+            <a:spAutoFit/>
+          </a:bodyPr>
+          <a:lstStyle/>
+          <a:p>
+            <a:pPr marL="285750" indent="-285750">
+              <a:buFont typeface="Arial" panose="020B0604020202020204" pitchFamily="34" charset="0"/>
+              <a:buChar char="•"/>
+            </a:pPr>
+            <a:r>
+              <a:rPr lang="fr-FR" sz="2400" dirty="0"/>
+              <a:t>Pas de gestion de serveurs</a:t>
+            </a:r>
+          </a:p>
+        </p:txBody>
+      </p:sp>
+      <p:sp>
+        <p:nvSpPr>
+          <p:cNvPr id="15" name="Rectangle 14"/>
           <p:cNvSpPr/>
           <p:nvPr/>
         </p:nvSpPr>
@@ -9750,13 +10766,13 @@
       </p:sp>
       <p:sp>
         <p:nvSpPr>
-          <p:cNvPr id="5" name="Pentagone 4"/>
+          <p:cNvPr id="16" name="Pentagone 15"/>
           <p:cNvSpPr/>
           <p:nvPr/>
         </p:nvSpPr>
         <p:spPr>
           <a:xfrm>
-            <a:off x="5620324" y="239913"/>
+            <a:off x="8159279" y="239913"/>
             <a:ext cx="102968" cy="119062"/>
           </a:xfrm>
           <a:prstGeom prst="homePlate">
@@ -9805,7 +10821,7 @@
       </p:sp>
       <p:sp>
         <p:nvSpPr>
-          <p:cNvPr id="6" name="ZoneTexte 5"/>
+          <p:cNvPr id="17" name="ZoneTexte 16"/>
           <p:cNvSpPr txBox="1"/>
           <p:nvPr/>
         </p:nvSpPr>
@@ -9853,13 +10869,13 @@
       </p:sp>
       <p:sp>
         <p:nvSpPr>
-          <p:cNvPr id="7" name="Arrondir un rectangle avec un coin diagonal 6"/>
+          <p:cNvPr id="18" name="Arrondir un rectangle avec un coin diagonal 17"/>
           <p:cNvSpPr/>
           <p:nvPr/>
         </p:nvSpPr>
         <p:spPr>
           <a:xfrm>
-            <a:off x="8162443" y="241182"/>
+            <a:off x="5599309" y="241182"/>
             <a:ext cx="99717" cy="119062"/>
           </a:xfrm>
           <a:prstGeom prst="round2DiagRect">
@@ -9907,7 +10923,7 @@
       </p:sp>
       <p:sp>
         <p:nvSpPr>
-          <p:cNvPr id="8" name="ZoneTexte 7"/>
+          <p:cNvPr id="19" name="ZoneTexte 18"/>
           <p:cNvSpPr txBox="1"/>
           <p:nvPr/>
         </p:nvSpPr>
@@ -9927,55 +10943,6 @@
           </a:bodyPr>
           <a:lstStyle/>
           <a:p>
-            <a:r>
-              <a:rPr lang="fr-FR" b="1" dirty="0" smtClean="0">
-                <a:solidFill>
-                  <a:schemeClr val="bg1"/>
-                </a:solidFill>
-                <a:latin typeface="Segoe UI" panose="020B0502040204020203" pitchFamily="34" charset="0"/>
-                <a:ea typeface="Segoe UI" panose="020B0502040204020203" pitchFamily="34" charset="0"/>
-                <a:cs typeface="Segoe UI" panose="020B0502040204020203" pitchFamily="34" charset="0"/>
-              </a:rPr>
-              <a:t>Fonctionnel</a:t>
-            </a:r>
-            <a:endParaRPr lang="fr-FR" b="1" dirty="0">
-              <a:solidFill>
-                <a:schemeClr val="bg1"/>
-              </a:solidFill>
-              <a:latin typeface="Segoe UI" panose="020B0502040204020203" pitchFamily="34" charset="0"/>
-              <a:ea typeface="Segoe UI" panose="020B0502040204020203" pitchFamily="34" charset="0"/>
-              <a:cs typeface="Segoe UI" panose="020B0502040204020203" pitchFamily="34" charset="0"/>
-            </a:endParaRPr>
-          </a:p>
-        </p:txBody>
-      </p:sp>
-      <p:sp>
-        <p:nvSpPr>
-          <p:cNvPr id="9" name="ZoneTexte 8"/>
-          <p:cNvSpPr txBox="1"/>
-          <p:nvPr/>
-        </p:nvSpPr>
-        <p:spPr>
-          <a:xfrm>
-            <a:off x="8243955" y="119616"/>
-            <a:ext cx="1669311" cy="369332"/>
-          </a:xfrm>
-          <a:prstGeom prst="rect">
-            <a:avLst/>
-          </a:prstGeom>
-          <a:noFill/>
-        </p:spPr>
-        <p:txBody>
-          <a:bodyPr wrap="square" rtlCol="0">
-            <a:spAutoFit/>
-          </a:bodyPr>
-          <a:lstStyle/>
-          <a:p>
-            <a:pPr>
-              <a:tabLst>
-                <a:tab pos="177800" algn="l"/>
-              </a:tabLst>
-            </a:pPr>
             <a:r>
               <a:rPr lang="fr-FR" b="1" dirty="0" smtClean="0">
                 <a:solidFill>
@@ -9987,7 +10954,7 @@
                 <a:ea typeface="Segoe UI" panose="020B0502040204020203" pitchFamily="34" charset="0"/>
                 <a:cs typeface="Segoe UI" panose="020B0502040204020203" pitchFamily="34" charset="0"/>
               </a:rPr>
-              <a:t>Technique</a:t>
+              <a:t>Fonctionnel</a:t>
             </a:r>
             <a:endParaRPr lang="fr-FR" b="1" dirty="0">
               <a:solidFill>
@@ -10004,7 +10971,56 @@
       </p:sp>
       <p:sp>
         <p:nvSpPr>
-          <p:cNvPr id="10" name="Arrondir un rectangle avec un coin diagonal 9"/>
+          <p:cNvPr id="20" name="ZoneTexte 19"/>
+          <p:cNvSpPr txBox="1"/>
+          <p:nvPr/>
+        </p:nvSpPr>
+        <p:spPr>
+          <a:xfrm>
+            <a:off x="8243955" y="119616"/>
+            <a:ext cx="1669311" cy="369332"/>
+          </a:xfrm>
+          <a:prstGeom prst="rect">
+            <a:avLst/>
+          </a:prstGeom>
+          <a:noFill/>
+        </p:spPr>
+        <p:txBody>
+          <a:bodyPr wrap="square" rtlCol="0">
+            <a:spAutoFit/>
+          </a:bodyPr>
+          <a:lstStyle/>
+          <a:p>
+            <a:pPr>
+              <a:tabLst>
+                <a:tab pos="177800" algn="l"/>
+              </a:tabLst>
+            </a:pPr>
+            <a:r>
+              <a:rPr lang="fr-FR" b="1" dirty="0" smtClean="0">
+                <a:solidFill>
+                  <a:schemeClr val="bg1"/>
+                </a:solidFill>
+                <a:latin typeface="Segoe UI" panose="020B0502040204020203" pitchFamily="34" charset="0"/>
+                <a:ea typeface="Segoe UI" panose="020B0502040204020203" pitchFamily="34" charset="0"/>
+                <a:cs typeface="Segoe UI" panose="020B0502040204020203" pitchFamily="34" charset="0"/>
+              </a:rPr>
+              <a:t>Technique</a:t>
+            </a:r>
+            <a:endParaRPr lang="fr-FR" b="1" dirty="0">
+              <a:solidFill>
+                <a:schemeClr val="bg1"/>
+              </a:solidFill>
+              <a:latin typeface="Segoe UI" panose="020B0502040204020203" pitchFamily="34" charset="0"/>
+              <a:ea typeface="Segoe UI" panose="020B0502040204020203" pitchFamily="34" charset="0"/>
+              <a:cs typeface="Segoe UI" panose="020B0502040204020203" pitchFamily="34" charset="0"/>
+            </a:endParaRPr>
+          </a:p>
+        </p:txBody>
+      </p:sp>
+      <p:sp>
+        <p:nvSpPr>
+          <p:cNvPr id="22" name="Arrondir un rectangle avec un coin diagonal 21"/>
           <p:cNvSpPr/>
           <p:nvPr/>
         </p:nvSpPr>
@@ -10053,227 +11069,6 @@
               <a:ea typeface="Segoe UI" panose="020B0502040204020203" pitchFamily="34" charset="0"/>
               <a:cs typeface="Segoe UI" panose="020B0502040204020203" pitchFamily="34" charset="0"/>
             </a:endParaRPr>
-          </a:p>
-        </p:txBody>
-      </p:sp>
-      <p:sp>
-        <p:nvSpPr>
-          <p:cNvPr id="11" name="ZoneTexte 10"/>
-          <p:cNvSpPr txBox="1"/>
-          <p:nvPr/>
-        </p:nvSpPr>
-        <p:spPr>
-          <a:xfrm>
-            <a:off x="1584356" y="765587"/>
-            <a:ext cx="9023288" cy="1200329"/>
-          </a:xfrm>
-          <a:prstGeom prst="rect">
-            <a:avLst/>
-          </a:prstGeom>
-          <a:noFill/>
-        </p:spPr>
-        <p:txBody>
-          <a:bodyPr wrap="square" rtlCol="0">
-            <a:spAutoFit/>
-          </a:bodyPr>
-          <a:lstStyle/>
-          <a:p>
-            <a:pPr algn="ctr"/>
-            <a:r>
-              <a:rPr lang="fr-FR" sz="7200" dirty="0" smtClean="0">
-                <a:latin typeface="Bebas Neue" panose="020B0606020202050201" pitchFamily="34" charset="0"/>
-              </a:rPr>
-              <a:t>Architecture technique</a:t>
-            </a:r>
-            <a:endParaRPr lang="fr-FR" sz="7200" dirty="0">
-              <a:latin typeface="Bebas Neue" panose="020B0606020202050201" pitchFamily="34" charset="0"/>
-            </a:endParaRPr>
-          </a:p>
-        </p:txBody>
-      </p:sp>
-      <p:pic>
-        <p:nvPicPr>
-          <p:cNvPr id="12" name="Image 11"/>
-          <p:cNvPicPr>
-            <a:picLocks noChangeAspect="1"/>
-          </p:cNvPicPr>
-          <p:nvPr/>
-        </p:nvPicPr>
-        <p:blipFill>
-          <a:blip r:embed="rId2">
-            <a:extLst>
-              <a:ext uri="{28A0092B-C50C-407E-A947-70E740481C1C}">
-                <a14:useLocalDpi xmlns:a14="http://schemas.microsoft.com/office/drawing/2010/main" val="0"/>
-              </a:ext>
-            </a:extLst>
-          </a:blip>
-          <a:stretch>
-            <a:fillRect/>
-          </a:stretch>
-        </p:blipFill>
-        <p:spPr>
-          <a:xfrm>
-            <a:off x="351446" y="749668"/>
-            <a:ext cx="992305" cy="992305"/>
-          </a:xfrm>
-          <a:prstGeom prst="rect">
-            <a:avLst/>
-          </a:prstGeom>
-        </p:spPr>
-      </p:pic>
-      <p:pic>
-        <p:nvPicPr>
-          <p:cNvPr id="13" name="Image 12"/>
-          <p:cNvPicPr>
-            <a:picLocks noChangeAspect="1"/>
-          </p:cNvPicPr>
-          <p:nvPr/>
-        </p:nvPicPr>
-        <p:blipFill>
-          <a:blip r:embed="rId3" cstate="print">
-            <a:extLst>
-              <a:ext uri="{28A0092B-C50C-407E-A947-70E740481C1C}">
-                <a14:useLocalDpi xmlns:a14="http://schemas.microsoft.com/office/drawing/2010/main" val="0"/>
-              </a:ext>
-            </a:extLst>
-          </a:blip>
-          <a:stretch>
-            <a:fillRect/>
-          </a:stretch>
-        </p:blipFill>
-        <p:spPr>
-          <a:xfrm>
-            <a:off x="10848249" y="813971"/>
-            <a:ext cx="928986" cy="928001"/>
-          </a:xfrm>
-          <a:prstGeom prst="rect">
-            <a:avLst/>
-          </a:prstGeom>
-        </p:spPr>
-      </p:pic>
-      <p:sp>
-        <p:nvSpPr>
-          <p:cNvPr id="21" name="Rectangle 20"/>
-          <p:cNvSpPr/>
-          <p:nvPr/>
-        </p:nvSpPr>
-        <p:spPr>
-          <a:xfrm>
-            <a:off x="2116242" y="2628008"/>
-            <a:ext cx="8419585" cy="1569660"/>
-          </a:xfrm>
-          <a:prstGeom prst="rect">
-            <a:avLst/>
-          </a:prstGeom>
-        </p:spPr>
-        <p:txBody>
-          <a:bodyPr wrap="square">
-            <a:spAutoFit/>
-          </a:bodyPr>
-          <a:lstStyle/>
-          <a:p>
-            <a:r>
-              <a:rPr lang="fr-FR" sz="2400" b="1" dirty="0" smtClean="0">
-                <a:solidFill>
-                  <a:schemeClr val="accent6"/>
-                </a:solidFill>
-              </a:rPr>
-              <a:t>Avantages</a:t>
-            </a:r>
-          </a:p>
-          <a:p>
-            <a:endParaRPr lang="fr-FR" sz="2400" dirty="0" smtClean="0"/>
-          </a:p>
-          <a:p>
-            <a:pPr marL="285750" indent="-285750">
-              <a:buFont typeface="Arial" panose="020B0604020202020204" pitchFamily="34" charset="0"/>
-              <a:buChar char="•"/>
-            </a:pPr>
-            <a:r>
-              <a:rPr lang="fr-FR" sz="2400" dirty="0" smtClean="0"/>
-              <a:t>Application modulable et extensible</a:t>
-            </a:r>
-          </a:p>
-          <a:p>
-            <a:pPr marL="285750" indent="-285750">
-              <a:buFont typeface="Arial" panose="020B0604020202020204" pitchFamily="34" charset="0"/>
-              <a:buChar char="•"/>
-            </a:pPr>
-            <a:endParaRPr lang="fr-FR" sz="2400" dirty="0"/>
-          </a:p>
-        </p:txBody>
-      </p:sp>
-      <p:sp>
-        <p:nvSpPr>
-          <p:cNvPr id="2" name="Rectangle 1"/>
-          <p:cNvSpPr/>
-          <p:nvPr/>
-        </p:nvSpPr>
-        <p:spPr>
-          <a:xfrm>
-            <a:off x="2116242" y="4582761"/>
-            <a:ext cx="6096000" cy="830997"/>
-          </a:xfrm>
-          <a:prstGeom prst="rect">
-            <a:avLst/>
-          </a:prstGeom>
-        </p:spPr>
-        <p:txBody>
-          <a:bodyPr>
-            <a:spAutoFit/>
-          </a:bodyPr>
-          <a:lstStyle/>
-          <a:p>
-            <a:r>
-              <a:rPr lang="fr-FR" sz="2400" b="1" dirty="0">
-                <a:solidFill>
-                  <a:srgbClr val="FFC000"/>
-                </a:solidFill>
-              </a:rPr>
-              <a:t>Inconvénient</a:t>
-            </a:r>
-          </a:p>
-          <a:p>
-            <a:pPr marL="342900" indent="-342900">
-              <a:buFont typeface="Arial" panose="020B0604020202020204" pitchFamily="34" charset="0"/>
-              <a:buChar char="•"/>
-            </a:pPr>
-            <a:r>
-              <a:rPr lang="fr-FR" sz="2400" dirty="0"/>
-              <a:t>Dépendre du prestataire cloud</a:t>
-            </a:r>
-          </a:p>
-        </p:txBody>
-      </p:sp>
-      <p:sp>
-        <p:nvSpPr>
-          <p:cNvPr id="3" name="Rectangle 2"/>
-          <p:cNvSpPr/>
-          <p:nvPr/>
-        </p:nvSpPr>
-        <p:spPr>
-          <a:xfrm>
-            <a:off x="2116242" y="3836216"/>
-            <a:ext cx="3768596" cy="461665"/>
-          </a:xfrm>
-          <a:prstGeom prst="rect">
-            <a:avLst/>
-          </a:prstGeom>
-        </p:spPr>
-        <p:txBody>
-          <a:bodyPr wrap="none">
-            <a:spAutoFit/>
-          </a:bodyPr>
-          <a:lstStyle/>
-          <a:p>
-            <a:pPr marL="285750" indent="-285750">
-              <a:buFont typeface="Arial" panose="020B0604020202020204" pitchFamily="34" charset="0"/>
-              <a:buChar char="•"/>
-            </a:pPr>
-            <a:r>
-              <a:rPr lang="fr-FR" sz="2400" dirty="0"/>
-              <a:t>Pas de gestion de serveurs</a:t>
-            </a:r>
           </a:p>
         </p:txBody>
       </p:sp>
@@ -15764,7 +16559,7 @@
         </p:nvSpPr>
         <p:spPr>
           <a:xfrm>
-            <a:off x="8324346" y="3217333"/>
+            <a:off x="8324346" y="2819400"/>
             <a:ext cx="3569328" cy="3318934"/>
           </a:xfrm>
           <a:prstGeom prst="flowChartProcess">
@@ -15814,7 +16609,7 @@
         </p:nvSpPr>
         <p:spPr>
           <a:xfrm>
-            <a:off x="8672900" y="3384748"/>
+            <a:off x="8672900" y="2986815"/>
             <a:ext cx="2966773" cy="2633253"/>
           </a:xfrm>
           <a:prstGeom prst="rect">
@@ -15860,7 +16655,7 @@
         </p:nvSpPr>
         <p:spPr>
           <a:xfrm>
-            <a:off x="6236972" y="3217334"/>
+            <a:off x="6236972" y="2819401"/>
             <a:ext cx="1633687" cy="3318934"/>
           </a:xfrm>
           <a:prstGeom prst="flowChartProcess">
@@ -15910,7 +16705,7 @@
         </p:nvSpPr>
         <p:spPr>
           <a:xfrm>
-            <a:off x="4135312" y="3217333"/>
+            <a:off x="4135312" y="2819400"/>
             <a:ext cx="1633687" cy="3327661"/>
           </a:xfrm>
           <a:prstGeom prst="flowChartProcess">
@@ -15960,7 +16755,7 @@
         </p:nvSpPr>
         <p:spPr>
           <a:xfrm>
-            <a:off x="8381986" y="6175662"/>
+            <a:off x="8381986" y="5777729"/>
             <a:ext cx="854466" cy="369332"/>
           </a:xfrm>
           <a:prstGeom prst="rect">
@@ -15997,7 +16792,7 @@
         </p:nvSpPr>
         <p:spPr>
           <a:xfrm>
-            <a:off x="339239" y="3217333"/>
+            <a:off x="339239" y="2819400"/>
             <a:ext cx="3378200" cy="3318934"/>
           </a:xfrm>
           <a:prstGeom prst="flowChartProcess">
@@ -16047,7 +16842,7 @@
         </p:nvSpPr>
         <p:spPr>
           <a:xfrm>
-            <a:off x="593238" y="3384748"/>
+            <a:off x="593238" y="2986815"/>
             <a:ext cx="2810933" cy="2633253"/>
           </a:xfrm>
           <a:prstGeom prst="rect">
@@ -16548,7 +17343,7 @@
         </p:nvSpPr>
         <p:spPr>
           <a:xfrm>
-            <a:off x="1126778" y="3497560"/>
+            <a:off x="1126778" y="3099627"/>
             <a:ext cx="1803122" cy="369332"/>
           </a:xfrm>
           <a:prstGeom prst="rect">
@@ -16581,7 +17376,7 @@
         </p:nvSpPr>
         <p:spPr>
           <a:xfrm>
-            <a:off x="1494784" y="3860505"/>
+            <a:off x="1494784" y="3462572"/>
             <a:ext cx="1007840" cy="369332"/>
           </a:xfrm>
           <a:prstGeom prst="rect">
@@ -16614,7 +17409,7 @@
         </p:nvSpPr>
         <p:spPr>
           <a:xfrm>
-            <a:off x="1006586" y="4368798"/>
+            <a:off x="1006586" y="3970865"/>
             <a:ext cx="1931986" cy="1107129"/>
           </a:xfrm>
           <a:prstGeom prst="flowChartProcess">
@@ -16664,7 +17459,7 @@
         </p:nvSpPr>
         <p:spPr>
           <a:xfrm>
-            <a:off x="974961" y="5093449"/>
+            <a:off x="974961" y="4695516"/>
             <a:ext cx="1708160" cy="369332"/>
           </a:xfrm>
           <a:prstGeom prst="rect">
@@ -16710,7 +17505,7 @@
         </p:nvSpPr>
         <p:spPr>
           <a:xfrm>
-            <a:off x="695680" y="5648670"/>
+            <a:off x="695680" y="5250737"/>
             <a:ext cx="1566357" cy="369332"/>
           </a:xfrm>
           <a:prstGeom prst="rect">
@@ -16763,7 +17558,7 @@
         </p:nvSpPr>
         <p:spPr>
           <a:xfrm>
-            <a:off x="381574" y="6175662"/>
+            <a:off x="381574" y="5777729"/>
             <a:ext cx="854466" cy="369332"/>
           </a:xfrm>
           <a:prstGeom prst="rect">
@@ -16800,7 +17595,7 @@
         </p:nvSpPr>
         <p:spPr>
           <a:xfrm>
-            <a:off x="6236972" y="3497560"/>
+            <a:off x="6236972" y="3099627"/>
             <a:ext cx="1623330" cy="338554"/>
           </a:xfrm>
           <a:prstGeom prst="rect">
@@ -16829,7 +17624,7 @@
         </p:nvSpPr>
         <p:spPr>
           <a:xfrm>
-            <a:off x="6587794" y="3860505"/>
+            <a:off x="6587794" y="3462572"/>
             <a:ext cx="812915" cy="338554"/>
           </a:xfrm>
           <a:prstGeom prst="rect">
@@ -16859,7 +17654,7 @@
         </p:nvSpPr>
         <p:spPr>
           <a:xfrm>
-            <a:off x="9228769" y="4368798"/>
+            <a:off x="9228769" y="3970865"/>
             <a:ext cx="2059176" cy="1107129"/>
           </a:xfrm>
           <a:prstGeom prst="flowChartProcess">
@@ -16909,7 +17704,7 @@
         </p:nvSpPr>
         <p:spPr>
           <a:xfrm>
-            <a:off x="9212379" y="5093449"/>
+            <a:off x="9212379" y="4695516"/>
             <a:ext cx="1013996" cy="369332"/>
           </a:xfrm>
           <a:prstGeom prst="rect">
@@ -16939,7 +17734,7 @@
         </p:nvSpPr>
         <p:spPr>
           <a:xfrm>
-            <a:off x="8792147" y="5648670"/>
+            <a:off x="8792147" y="5250737"/>
             <a:ext cx="1361435" cy="369332"/>
           </a:xfrm>
           <a:prstGeom prst="rect">
@@ -16998,7 +17793,7 @@
         </p:blipFill>
         <p:spPr>
           <a:xfrm>
-            <a:off x="10566159" y="4436371"/>
+            <a:off x="10566159" y="4038438"/>
             <a:ext cx="552974" cy="689196"/>
           </a:xfrm>
           <a:prstGeom prst="rect">
@@ -17028,7 +17823,7 @@
         </p:blipFill>
         <p:spPr>
           <a:xfrm>
-            <a:off x="9966278" y="4436321"/>
+            <a:off x="9966278" y="4038388"/>
             <a:ext cx="552974" cy="689296"/>
           </a:xfrm>
           <a:prstGeom prst="rect">
@@ -17058,7 +17853,7 @@
         </p:blipFill>
         <p:spPr>
           <a:xfrm>
-            <a:off x="9366397" y="4436371"/>
+            <a:off x="9366397" y="4038438"/>
             <a:ext cx="552974" cy="689196"/>
           </a:xfrm>
           <a:prstGeom prst="rect">
@@ -17088,7 +17883,7 @@
         </p:blipFill>
         <p:spPr>
           <a:xfrm>
-            <a:off x="2294023" y="4436371"/>
+            <a:off x="2294023" y="4038438"/>
             <a:ext cx="552974" cy="689196"/>
           </a:xfrm>
           <a:prstGeom prst="rect">
@@ -17118,7 +17913,7 @@
         </p:blipFill>
         <p:spPr>
           <a:xfrm>
-            <a:off x="1694142" y="4436371"/>
+            <a:off x="1694142" y="4038438"/>
             <a:ext cx="552974" cy="689196"/>
           </a:xfrm>
           <a:prstGeom prst="rect">
@@ -17148,7 +17943,7 @@
         </p:blipFill>
         <p:spPr>
           <a:xfrm>
-            <a:off x="1094261" y="4436371"/>
+            <a:off x="1094261" y="4038438"/>
             <a:ext cx="552974" cy="689196"/>
           </a:xfrm>
           <a:prstGeom prst="rect">
@@ -17164,7 +17959,7 @@
         </p:nvSpPr>
         <p:spPr>
           <a:xfrm>
-            <a:off x="4149598" y="3497560"/>
+            <a:off x="4149598" y="3099627"/>
             <a:ext cx="1623330" cy="338554"/>
           </a:xfrm>
           <a:prstGeom prst="rect">
@@ -17193,7 +17988,7 @@
         </p:nvSpPr>
         <p:spPr>
           <a:xfrm>
-            <a:off x="4508285" y="3860505"/>
+            <a:off x="4508285" y="3462572"/>
             <a:ext cx="915122" cy="338554"/>
           </a:xfrm>
           <a:prstGeom prst="rect">
@@ -17211,7 +18006,6 @@
               <a:rPr lang="fr-FR" sz="1600" dirty="0" smtClean="0"/>
               <a:t>Setup.py</a:t>
             </a:r>
-            <a:endParaRPr lang="fr-FR" sz="1600" dirty="0" smtClean="0"/>
           </a:p>
         </p:txBody>
       </p:sp>
@@ -17223,7 +18017,7 @@
         </p:nvSpPr>
         <p:spPr>
           <a:xfrm>
-            <a:off x="4237720" y="4368798"/>
+            <a:off x="4237720" y="3970865"/>
             <a:ext cx="1444968" cy="1370982"/>
           </a:xfrm>
           <a:prstGeom prst="flowChartProcess">
@@ -17273,7 +18067,7 @@
         </p:nvSpPr>
         <p:spPr>
           <a:xfrm>
-            <a:off x="4280475" y="5093449"/>
+            <a:off x="4280475" y="4695516"/>
             <a:ext cx="1277563" cy="646331"/>
           </a:xfrm>
           <a:prstGeom prst="rect">
@@ -17341,7 +18135,7 @@
         </p:blipFill>
         <p:spPr>
           <a:xfrm>
-            <a:off x="5224922" y="4436371"/>
+            <a:off x="5224922" y="4038438"/>
             <a:ext cx="413579" cy="515462"/>
           </a:xfrm>
           <a:prstGeom prst="rect">
@@ -17371,7 +18165,7 @@
         </p:blipFill>
         <p:spPr>
           <a:xfrm>
-            <a:off x="4762032" y="4436371"/>
+            <a:off x="4762032" y="4038438"/>
             <a:ext cx="413579" cy="515462"/>
           </a:xfrm>
           <a:prstGeom prst="rect">
@@ -17401,7 +18195,7 @@
         </p:blipFill>
         <p:spPr>
           <a:xfrm>
-            <a:off x="4302942" y="4436371"/>
+            <a:off x="4302942" y="4038438"/>
             <a:ext cx="413579" cy="515462"/>
           </a:xfrm>
           <a:prstGeom prst="rect">
@@ -17417,7 +18211,7 @@
         </p:nvSpPr>
         <p:spPr>
           <a:xfrm>
-            <a:off x="6331906" y="4368798"/>
+            <a:off x="6331906" y="3970865"/>
             <a:ext cx="1444968" cy="1370982"/>
           </a:xfrm>
           <a:prstGeom prst="flowChartProcess">
@@ -17467,7 +18261,7 @@
         </p:nvSpPr>
         <p:spPr>
           <a:xfrm>
-            <a:off x="6374661" y="5093449"/>
+            <a:off x="6374661" y="4695516"/>
             <a:ext cx="1277563" cy="646331"/>
           </a:xfrm>
           <a:prstGeom prst="rect">
@@ -17518,7 +18312,7 @@
         </p:blipFill>
         <p:spPr>
           <a:xfrm>
-            <a:off x="7319108" y="4436371"/>
+            <a:off x="7319108" y="4038438"/>
             <a:ext cx="413578" cy="515462"/>
           </a:xfrm>
           <a:prstGeom prst="rect">
@@ -17548,7 +18342,7 @@
         </p:blipFill>
         <p:spPr>
           <a:xfrm>
-            <a:off x="6856248" y="4436371"/>
+            <a:off x="6856248" y="4038438"/>
             <a:ext cx="413519" cy="515462"/>
           </a:xfrm>
           <a:prstGeom prst="rect">
@@ -17578,7 +18372,7 @@
         </p:blipFill>
         <p:spPr>
           <a:xfrm>
-            <a:off x="6397128" y="4436371"/>
+            <a:off x="6397128" y="4038438"/>
             <a:ext cx="413579" cy="515462"/>
           </a:xfrm>
           <a:prstGeom prst="rect">
@@ -17597,7 +18391,7 @@
         </p:nvCxnSpPr>
         <p:spPr>
           <a:xfrm flipV="1">
-            <a:off x="7870659" y="4876800"/>
+            <a:off x="7870659" y="4478867"/>
             <a:ext cx="453687" cy="1"/>
           </a:xfrm>
           <a:prstGeom prst="line">
@@ -17635,7 +18429,7 @@
         </p:nvCxnSpPr>
         <p:spPr>
           <a:xfrm flipH="1" flipV="1">
-            <a:off x="3717439" y="4876800"/>
+            <a:off x="3717439" y="4478867"/>
             <a:ext cx="417873" cy="4364"/>
           </a:xfrm>
           <a:prstGeom prst="line">
@@ -17670,7 +18464,7 @@
         </p:nvSpPr>
         <p:spPr>
           <a:xfrm>
-            <a:off x="9341204" y="3497560"/>
+            <a:off x="9341204" y="3099627"/>
             <a:ext cx="1803122" cy="369332"/>
           </a:xfrm>
           <a:prstGeom prst="rect">
@@ -17703,7 +18497,7 @@
         </p:nvSpPr>
         <p:spPr>
           <a:xfrm>
-            <a:off x="9707533" y="3860505"/>
+            <a:off x="9707533" y="3462572"/>
             <a:ext cx="891078" cy="369332"/>
           </a:xfrm>
           <a:prstGeom prst="rect">
@@ -17741,7 +18535,7 @@
         </p:nvSpPr>
         <p:spPr>
           <a:xfrm>
-            <a:off x="4169986" y="6175662"/>
+            <a:off x="4169986" y="5777729"/>
             <a:ext cx="460382" cy="369332"/>
           </a:xfrm>
           <a:prstGeom prst="rect">
@@ -17770,7 +18564,7 @@
         </p:nvSpPr>
         <p:spPr>
           <a:xfrm>
-            <a:off x="6289403" y="6175662"/>
+            <a:off x="6289403" y="5777729"/>
             <a:ext cx="460382" cy="369332"/>
           </a:xfrm>
           <a:prstGeom prst="rect">
@@ -20050,19 +20844,7 @@
               <a:rPr lang="fr-FR" sz="7200" dirty="0" smtClean="0">
                 <a:latin typeface="Bebas Neue" panose="020B0606020202050201" pitchFamily="34" charset="0"/>
               </a:rPr>
-              <a:t>Procédures </a:t>
-            </a:r>
-            <a:r>
-              <a:rPr lang="fr-FR" sz="7200" dirty="0" smtClean="0">
-                <a:latin typeface="Bebas Neue" panose="020B0606020202050201" pitchFamily="34" charset="0"/>
-              </a:rPr>
-              <a:t>de </a:t>
-            </a:r>
-            <a:r>
-              <a:rPr lang="fr-FR" sz="7200" dirty="0" smtClean="0">
-                <a:latin typeface="Bebas Neue" panose="020B0606020202050201" pitchFamily="34" charset="0"/>
-              </a:rPr>
-              <a:t>mise à jour</a:t>
+              <a:t>Procédures de mise à jour</a:t>
             </a:r>
             <a:endParaRPr lang="fr-FR" sz="7200" dirty="0">
               <a:latin typeface="Bebas Neue" panose="020B0606020202050201" pitchFamily="34" charset="0"/>
@@ -20236,11 +21018,6 @@
               </a:rPr>
               <a:t>Base de données</a:t>
             </a:r>
-            <a:endParaRPr lang="fr-FR" sz="2800" dirty="0" smtClean="0">
-              <a:solidFill>
-                <a:schemeClr val="bg1"/>
-              </a:solidFill>
-            </a:endParaRPr>
           </a:p>
         </p:txBody>
       </p:sp>
@@ -20275,11 +21052,6 @@
               </a:rPr>
               <a:t>Design</a:t>
             </a:r>
-            <a:endParaRPr lang="fr-FR" sz="2800" dirty="0" smtClean="0">
-              <a:solidFill>
-                <a:schemeClr val="bg1"/>
-              </a:solidFill>
-            </a:endParaRPr>
           </a:p>
         </p:txBody>
       </p:sp>
@@ -20310,7 +21082,6 @@
               <a:rPr lang="fr-FR" sz="2800" dirty="0" smtClean="0"/>
               <a:t>Fonctionnalités</a:t>
             </a:r>
-            <a:endParaRPr lang="fr-FR" sz="2800" dirty="0" smtClean="0"/>
           </a:p>
         </p:txBody>
       </p:sp>
@@ -20376,11 +21147,6 @@
               </a:rPr>
               <a:t>Vérifications</a:t>
             </a:r>
-            <a:endParaRPr lang="fr-FR" sz="2200" dirty="0" smtClean="0">
-              <a:solidFill>
-                <a:schemeClr val="bg1"/>
-              </a:solidFill>
-            </a:endParaRPr>
           </a:p>
         </p:txBody>
       </p:sp>
@@ -20432,11 +21198,6 @@
               </a:rPr>
               <a:t>Coûts supplémentaires</a:t>
             </a:r>
-            <a:endParaRPr lang="fr-FR" sz="2200" dirty="0" smtClean="0">
-              <a:solidFill>
-                <a:schemeClr val="bg1"/>
-              </a:solidFill>
-            </a:endParaRPr>
           </a:p>
         </p:txBody>
       </p:sp>
@@ -20490,7 +21251,6 @@
               <a:rPr lang="fr-FR" sz="2200" dirty="0" smtClean="0"/>
               <a:t>Mises à jour failles/mise à jour dépendances</a:t>
             </a:r>
-            <a:endParaRPr lang="fr-FR" sz="2200" dirty="0" smtClean="0"/>
           </a:p>
         </p:txBody>
       </p:sp>
